--- a/pythonProject.pptx
+++ b/pythonProject.pptx
@@ -5365,7 +5365,7 @@
           <a:p>
             <a:pPr algn="ctr"/>
             <a:r>
-              <a:rPr lang="fr-FR" altLang="zh-CN" sz="5400" dirty="0">
+              <a:rPr lang="en-GB" altLang="zh-CN" sz="5400" dirty="0">
                 <a:ln>
                   <a:solidFill>
                     <a:schemeClr val="tx1">
@@ -5380,133 +5380,7 @@
                 <a:latin typeface="方正姚体" panose="02010601030101010101" pitchFamily="2" charset="-122"/>
                 <a:ea typeface="方正姚体" panose="02010601030101010101" pitchFamily="2" charset="-122"/>
               </a:rPr>
-              <a:t>Incident management</a:t>
-            </a:r>
-            <a:r>
-              <a:rPr lang="zh-CN" altLang="en-US" sz="5400" dirty="0">
-                <a:ln>
-                  <a:solidFill>
-                    <a:schemeClr val="tx1">
-                      <a:lumMod val="65000"/>
-                      <a:lumOff val="35000"/>
-                    </a:schemeClr>
-                  </a:solidFill>
-                </a:ln>
-                <a:solidFill>
-                  <a:srgbClr val="ADDDEB"/>
-                </a:solidFill>
-                <a:latin typeface="方正姚体" panose="02010601030101010101" pitchFamily="2" charset="-122"/>
-                <a:ea typeface="方正姚体" panose="02010601030101010101" pitchFamily="2" charset="-122"/>
-              </a:rPr>
-              <a:t> </a:t>
-            </a:r>
-            <a:r>
-              <a:rPr lang="fr-FR" altLang="zh-CN" sz="5400" dirty="0" err="1">
-                <a:ln>
-                  <a:solidFill>
-                    <a:schemeClr val="tx1">
-                      <a:lumMod val="65000"/>
-                      <a:lumOff val="35000"/>
-                    </a:schemeClr>
-                  </a:solidFill>
-                </a:ln>
-                <a:solidFill>
-                  <a:srgbClr val="ADDDEB"/>
-                </a:solidFill>
-                <a:latin typeface="方正姚体" panose="02010601030101010101" pitchFamily="2" charset="-122"/>
-                <a:ea typeface="方正姚体" panose="02010601030101010101" pitchFamily="2" charset="-122"/>
-              </a:rPr>
-              <a:t>process</a:t>
-            </a:r>
-            <a:r>
-              <a:rPr lang="fr-FR" altLang="zh-CN" sz="5400" dirty="0">
-                <a:ln>
-                  <a:solidFill>
-                    <a:schemeClr val="tx1">
-                      <a:lumMod val="65000"/>
-                      <a:lumOff val="35000"/>
-                    </a:schemeClr>
-                  </a:solidFill>
-                </a:ln>
-                <a:solidFill>
-                  <a:srgbClr val="ADDDEB"/>
-                </a:solidFill>
-                <a:latin typeface="方正姚体" panose="02010601030101010101" pitchFamily="2" charset="-122"/>
-                <a:ea typeface="方正姚体" panose="02010601030101010101" pitchFamily="2" charset="-122"/>
-              </a:rPr>
-              <a:t> </a:t>
-            </a:r>
-            <a:r>
-              <a:rPr lang="fr-FR" altLang="zh-CN" sz="5400" dirty="0" err="1">
-                <a:ln>
-                  <a:solidFill>
-                    <a:schemeClr val="tx1">
-                      <a:lumMod val="65000"/>
-                      <a:lumOff val="35000"/>
-                    </a:schemeClr>
-                  </a:solidFill>
-                </a:ln>
-                <a:solidFill>
-                  <a:srgbClr val="ADDDEB"/>
-                </a:solidFill>
-                <a:latin typeface="方正姚体" panose="02010601030101010101" pitchFamily="2" charset="-122"/>
-                <a:ea typeface="方正姚体" panose="02010601030101010101" pitchFamily="2" charset="-122"/>
-              </a:rPr>
-              <a:t>enriched</a:t>
-            </a:r>
-            <a:r>
-              <a:rPr lang="zh-CN" altLang="en-US" sz="5400" dirty="0">
-                <a:ln>
-                  <a:solidFill>
-                    <a:schemeClr val="tx1">
-                      <a:lumMod val="65000"/>
-                      <a:lumOff val="35000"/>
-                    </a:schemeClr>
-                  </a:solidFill>
-                </a:ln>
-                <a:solidFill>
-                  <a:srgbClr val="ADDDEB"/>
-                </a:solidFill>
-                <a:latin typeface="方正姚体" panose="02010601030101010101" pitchFamily="2" charset="-122"/>
-                <a:ea typeface="方正姚体" panose="02010601030101010101" pitchFamily="2" charset="-122"/>
-              </a:rPr>
-              <a:t> </a:t>
-            </a:r>
-            <a:r>
-              <a:rPr lang="fr-FR" altLang="zh-CN" sz="5400" dirty="0" err="1">
-                <a:ln>
-                  <a:solidFill>
-                    <a:schemeClr val="tx1">
-                      <a:lumMod val="65000"/>
-                      <a:lumOff val="35000"/>
-                    </a:schemeClr>
-                  </a:solidFill>
-                </a:ln>
-                <a:solidFill>
-                  <a:srgbClr val="ADDDEB"/>
-                </a:solidFill>
-                <a:latin typeface="方正姚体" panose="02010601030101010101" pitchFamily="2" charset="-122"/>
-                <a:ea typeface="方正姚体" panose="02010601030101010101" pitchFamily="2" charset="-122"/>
-              </a:rPr>
-              <a:t>event</a:t>
-            </a:r>
-            <a:r>
-              <a:rPr lang="fr-FR" altLang="zh-CN" sz="5400" dirty="0">
-                <a:ln>
-                  <a:solidFill>
-                    <a:schemeClr val="tx1">
-                      <a:lumMod val="65000"/>
-                      <a:lumOff val="35000"/>
-                    </a:schemeClr>
-                  </a:solidFill>
-                </a:ln>
-                <a:solidFill>
-                  <a:srgbClr val="ADDDEB"/>
-                </a:solidFill>
-                <a:latin typeface="方正姚体" panose="02010601030101010101" pitchFamily="2" charset="-122"/>
-                <a:ea typeface="方正姚体" panose="02010601030101010101" pitchFamily="2" charset="-122"/>
-              </a:rPr>
-              <a:t> log</a:t>
+              <a:t>Incident management process enriched event log</a:t>
             </a:r>
           </a:p>
         </p:txBody>
@@ -7989,19 +7863,8 @@
                 <a:latin typeface="Calibri Light" panose="020F0302020204030204" pitchFamily="34" charset="0"/>
                 <a:cs typeface="Calibri Light" panose="020F0302020204030204" pitchFamily="34" charset="0"/>
               </a:rPr>
-              <a:t>Choose the </a:t>
+              <a:t>Choose hyperparameters to build model</a:t>
             </a:r>
-            <a:r>
-              <a:rPr lang="en-GB" sz="2000" dirty="0" err="1">
-                <a:latin typeface="Calibri Light" panose="020F0302020204030204" pitchFamily="34" charset="0"/>
-                <a:cs typeface="Calibri Light" panose="020F0302020204030204" pitchFamily="34" charset="0"/>
-              </a:rPr>
-              <a:t>hyperestimators</a:t>
-            </a:r>
-            <a:endParaRPr lang="en-GB" sz="2000" dirty="0">
-              <a:latin typeface="Calibri Light" panose="020F0302020204030204" pitchFamily="34" charset="0"/>
-              <a:cs typeface="Calibri Light" panose="020F0302020204030204" pitchFamily="34" charset="0"/>
-            </a:endParaRPr>
           </a:p>
         </p:txBody>
       </p:sp>
@@ -14324,139 +14187,271 @@
           </a:p>
         </p:txBody>
       </p:sp>
-      <p:sp>
-        <p:nvSpPr>
-          <p:cNvPr id="17" name="文本框 16">
-            <a:extLst>
-              <a:ext uri="{FF2B5EF4-FFF2-40B4-BE49-F238E27FC236}">
-                <a16:creationId xmlns:a16="http://schemas.microsoft.com/office/drawing/2014/main" id="{F66EFA57-5254-4371-8012-25BC7A1ED3E9}"/>
-              </a:ext>
-            </a:extLst>
-          </p:cNvPr>
-          <p:cNvSpPr txBox="1"/>
-          <p:nvPr/>
-        </p:nvSpPr>
-        <p:spPr>
-          <a:xfrm>
-            <a:off x="1991813" y="2410475"/>
-            <a:ext cx="8208372" cy="2674899"/>
-          </a:xfrm>
-          <a:prstGeom prst="rect">
-            <a:avLst/>
-          </a:prstGeom>
-          <a:noFill/>
-        </p:spPr>
-        <p:txBody>
-          <a:bodyPr wrap="square" rtlCol="0">
-            <a:spAutoFit/>
-          </a:bodyPr>
-          <a:lstStyle/>
-          <a:p>
-            <a:pPr marL="342900" indent="-342900">
-              <a:lnSpc>
-                <a:spcPct val="150000"/>
-              </a:lnSpc>
-              <a:buFont typeface="Arial" panose="020B0604020202020204" pitchFamily="34" charset="0"/>
-              <a:buChar char="•"/>
-            </a:pPr>
-            <a:r>
-              <a:rPr lang="en-US" altLang="zh-CN" sz="2400" dirty="0">
-                <a:solidFill>
-                  <a:schemeClr val="tx1">
-                    <a:lumMod val="75000"/>
-                    <a:lumOff val="25000"/>
-                  </a:schemeClr>
-                </a:solidFill>
-                <a:latin typeface="Calibri" panose="020F0502020204030204" pitchFamily="34" charset="0"/>
-                <a:ea typeface="字魂58号-创中黑" panose="00000500000000000000" pitchFamily="2" charset="-122"/>
-                <a:cs typeface="Calibri" panose="020F0502020204030204" pitchFamily="34" charset="0"/>
-              </a:rPr>
-              <a:t>Decision tree regression</a:t>
-            </a:r>
-          </a:p>
-          <a:p>
-            <a:pPr marL="342900" indent="-342900">
-              <a:lnSpc>
-                <a:spcPct val="150000"/>
-              </a:lnSpc>
-              <a:buFont typeface="Arial" panose="020B0604020202020204" pitchFamily="34" charset="0"/>
-              <a:buChar char="•"/>
-            </a:pPr>
-            <a:r>
-              <a:rPr lang="en-US" altLang="zh-CN" sz="2400" dirty="0">
-                <a:solidFill>
-                  <a:schemeClr val="tx1">
-                    <a:lumMod val="75000"/>
-                    <a:lumOff val="25000"/>
-                  </a:schemeClr>
-                </a:solidFill>
-                <a:latin typeface="Calibri" panose="020F0502020204030204" pitchFamily="34" charset="0"/>
-                <a:ea typeface="字魂58号-创中黑" panose="00000500000000000000" pitchFamily="2" charset="-122"/>
-                <a:cs typeface="Calibri" panose="020F0502020204030204" pitchFamily="34" charset="0"/>
-              </a:rPr>
-              <a:t>Random forest regression</a:t>
-            </a:r>
-          </a:p>
-          <a:p>
-            <a:pPr marL="342900" indent="-342900">
-              <a:lnSpc>
-                <a:spcPct val="150000"/>
-              </a:lnSpc>
-              <a:buFont typeface="Arial" panose="020B0604020202020204" pitchFamily="34" charset="0"/>
-              <a:buChar char="•"/>
-            </a:pPr>
-            <a:r>
-              <a:rPr lang="en-US" altLang="zh-CN" sz="2400" dirty="0">
-                <a:solidFill>
-                  <a:schemeClr val="tx1">
-                    <a:lumMod val="75000"/>
-                    <a:lumOff val="25000"/>
-                  </a:schemeClr>
-                </a:solidFill>
-                <a:latin typeface="Calibri" panose="020F0502020204030204" pitchFamily="34" charset="0"/>
-                <a:ea typeface="字魂58号-创中黑" panose="00000500000000000000" pitchFamily="2" charset="-122"/>
-                <a:cs typeface="Calibri" panose="020F0502020204030204" pitchFamily="34" charset="0"/>
-              </a:rPr>
-              <a:t>Grid Search </a:t>
-            </a:r>
-          </a:p>
-          <a:p>
-            <a:pPr>
-              <a:lnSpc>
-                <a:spcPct val="150000"/>
-              </a:lnSpc>
-            </a:pPr>
-            <a:endParaRPr lang="en-US" altLang="zh-CN" sz="2400" dirty="0">
-              <a:solidFill>
-                <a:schemeClr val="tx1">
-                  <a:lumMod val="75000"/>
-                  <a:lumOff val="25000"/>
-                </a:schemeClr>
-              </a:solidFill>
-              <a:latin typeface="Calibri" panose="020F0502020204030204" pitchFamily="34" charset="0"/>
-              <a:ea typeface="字魂58号-创中黑" panose="00000500000000000000" pitchFamily="2" charset="-122"/>
-              <a:cs typeface="Calibri" panose="020F0502020204030204" pitchFamily="34" charset="0"/>
-            </a:endParaRPr>
-          </a:p>
-          <a:p>
-            <a:pPr>
-              <a:lnSpc>
-                <a:spcPct val="150000"/>
-              </a:lnSpc>
-            </a:pPr>
-            <a:endParaRPr lang="en-US" altLang="zh-CN" dirty="0">
-              <a:solidFill>
-                <a:schemeClr val="tx1">
-                  <a:lumMod val="75000"/>
-                  <a:lumOff val="25000"/>
-                </a:schemeClr>
-              </a:solidFill>
-              <a:latin typeface="字魂58号-创中黑" panose="00000500000000000000" pitchFamily="2" charset="-122"/>
-              <a:ea typeface="字魂58号-创中黑" panose="00000500000000000000" pitchFamily="2" charset="-122"/>
-            </a:endParaRPr>
-          </a:p>
-        </p:txBody>
-      </p:sp>
+      <mc:AlternateContent xmlns:mc="http://schemas.openxmlformats.org/markup-compatibility/2006">
+        <mc:Choice xmlns:a14="http://schemas.microsoft.com/office/drawing/2010/main" Requires="a14">
+          <p:sp>
+            <p:nvSpPr>
+              <p:cNvPr id="17" name="文本框 16">
+                <a:extLst>
+                  <a:ext uri="{FF2B5EF4-FFF2-40B4-BE49-F238E27FC236}">
+                    <a16:creationId xmlns:a16="http://schemas.microsoft.com/office/drawing/2014/main" id="{F66EFA57-5254-4371-8012-25BC7A1ED3E9}"/>
+                  </a:ext>
+                </a:extLst>
+              </p:cNvPr>
+              <p:cNvSpPr txBox="1"/>
+              <p:nvPr/>
+            </p:nvSpPr>
+            <p:spPr>
+              <a:xfrm>
+                <a:off x="1991813" y="2410475"/>
+                <a:ext cx="8208372" cy="2951898"/>
+              </a:xfrm>
+              <a:prstGeom prst="rect">
+                <a:avLst/>
+              </a:prstGeom>
+              <a:noFill/>
+            </p:spPr>
+            <p:txBody>
+              <a:bodyPr wrap="square" rtlCol="0">
+                <a:spAutoFit/>
+              </a:bodyPr>
+              <a:lstStyle/>
+              <a:p>
+                <a:pPr marL="342900" indent="-342900">
+                  <a:lnSpc>
+                    <a:spcPct val="150000"/>
+                  </a:lnSpc>
+                  <a:buFont typeface="Arial" panose="020B0604020202020204" pitchFamily="34" charset="0"/>
+                  <a:buChar char="•"/>
+                </a:pPr>
+                <a:r>
+                  <a:rPr lang="en-US" altLang="zh-CN" sz="2000" dirty="0">
+                    <a:solidFill>
+                      <a:schemeClr val="tx1">
+                        <a:lumMod val="75000"/>
+                        <a:lumOff val="25000"/>
+                      </a:schemeClr>
+                    </a:solidFill>
+                    <a:latin typeface="Calibri" panose="020F0502020204030204" pitchFamily="34" charset="0"/>
+                    <a:ea typeface="字魂58号-创中黑" panose="00000500000000000000" pitchFamily="2" charset="-122"/>
+                    <a:cs typeface="Calibri" panose="020F0502020204030204" pitchFamily="34" charset="0"/>
+                  </a:rPr>
+                  <a:t>decision tree regression (score</a:t>
+                </a:r>
+                <a14:m>
+                  <m:oMath xmlns:m="http://schemas.openxmlformats.org/officeDocument/2006/math">
+                    <m:r>
+                      <a:rPr lang="en-US" altLang="zh-CN" sz="2000" i="1" smtClean="0">
+                        <a:solidFill>
+                          <a:schemeClr val="tx1">
+                            <a:lumMod val="75000"/>
+                            <a:lumOff val="25000"/>
+                          </a:schemeClr>
+                        </a:solidFill>
+                        <a:latin typeface="Cambria Math" panose="02040503050406030204" pitchFamily="18" charset="0"/>
+                        <a:ea typeface="Cambria Math" panose="02040503050406030204" pitchFamily="18" charset="0"/>
+                        <a:cs typeface="Calibri" panose="020F0502020204030204" pitchFamily="34" charset="0"/>
+                      </a:rPr>
+                      <m:t>≈</m:t>
+                    </m:r>
+                  </m:oMath>
+                </a14:m>
+                <a:r>
+                  <a:rPr lang="en-US" altLang="zh-CN" sz="2000" dirty="0">
+                    <a:solidFill>
+                      <a:schemeClr val="tx1">
+                        <a:lumMod val="75000"/>
+                        <a:lumOff val="25000"/>
+                      </a:schemeClr>
+                    </a:solidFill>
+                    <a:latin typeface="Calibri" panose="020F0502020204030204" pitchFamily="34" charset="0"/>
+                    <a:ea typeface="字魂58号-创中黑" panose="00000500000000000000" pitchFamily="2" charset="-122"/>
+                    <a:cs typeface="Calibri" panose="020F0502020204030204" pitchFamily="34" charset="0"/>
+                  </a:rPr>
+                  <a:t>0.92) </a:t>
+                </a:r>
+              </a:p>
+              <a:p>
+                <a:pPr marL="342900" indent="-342900">
+                  <a:lnSpc>
+                    <a:spcPct val="150000"/>
+                  </a:lnSpc>
+                  <a:buFont typeface="Arial" panose="020B0604020202020204" pitchFamily="34" charset="0"/>
+                  <a:buChar char="•"/>
+                </a:pPr>
+                <a:r>
+                  <a:rPr lang="en-US" altLang="zh-CN" sz="2000" dirty="0">
+                    <a:solidFill>
+                      <a:schemeClr val="tx1">
+                        <a:lumMod val="75000"/>
+                        <a:lumOff val="25000"/>
+                      </a:schemeClr>
+                    </a:solidFill>
+                    <a:latin typeface="Calibri" panose="020F0502020204030204" pitchFamily="34" charset="0"/>
+                    <a:ea typeface="字魂58号-创中黑" panose="00000500000000000000" pitchFamily="2" charset="-122"/>
+                    <a:cs typeface="Calibri" panose="020F0502020204030204" pitchFamily="34" charset="0"/>
+                  </a:rPr>
+                  <a:t>random forest (score</a:t>
+                </a:r>
+                <a14:m>
+                  <m:oMath xmlns:m="http://schemas.openxmlformats.org/officeDocument/2006/math">
+                    <m:r>
+                      <a:rPr lang="en-US" altLang="zh-CN" sz="2000" i="1">
+                        <a:solidFill>
+                          <a:schemeClr val="tx1">
+                            <a:lumMod val="75000"/>
+                            <a:lumOff val="25000"/>
+                          </a:schemeClr>
+                        </a:solidFill>
+                        <a:latin typeface="Cambria Math" panose="02040503050406030204" pitchFamily="18" charset="0"/>
+                        <a:ea typeface="Cambria Math" panose="02040503050406030204" pitchFamily="18" charset="0"/>
+                        <a:cs typeface="Calibri" panose="020F0502020204030204" pitchFamily="34" charset="0"/>
+                      </a:rPr>
+                      <m:t>≈</m:t>
+                    </m:r>
+                  </m:oMath>
+                </a14:m>
+                <a:r>
+                  <a:rPr lang="en-US" altLang="zh-CN" sz="2000" dirty="0">
+                    <a:solidFill>
+                      <a:schemeClr val="tx1">
+                        <a:lumMod val="75000"/>
+                        <a:lumOff val="25000"/>
+                      </a:schemeClr>
+                    </a:solidFill>
+                    <a:latin typeface="Calibri" panose="020F0502020204030204" pitchFamily="34" charset="0"/>
+                    <a:ea typeface="字魂58号-创中黑" panose="00000500000000000000" pitchFamily="2" charset="-122"/>
+                    <a:cs typeface="Calibri" panose="020F0502020204030204" pitchFamily="34" charset="0"/>
+                  </a:rPr>
+                  <a:t>0.96)</a:t>
+                </a:r>
+              </a:p>
+              <a:p>
+                <a:pPr marL="342900" indent="-342900">
+                  <a:lnSpc>
+                    <a:spcPct val="150000"/>
+                  </a:lnSpc>
+                  <a:buFont typeface="Arial" panose="020B0604020202020204" pitchFamily="34" charset="0"/>
+                  <a:buChar char="•"/>
+                </a:pPr>
+                <a:r>
+                  <a:rPr lang="en-US" altLang="zh-CN" sz="2000" dirty="0">
+                    <a:solidFill>
+                      <a:schemeClr val="tx1">
+                        <a:lumMod val="75000"/>
+                        <a:lumOff val="25000"/>
+                      </a:schemeClr>
+                    </a:solidFill>
+                    <a:latin typeface="Calibri" panose="020F0502020204030204" pitchFamily="34" charset="0"/>
+                    <a:ea typeface="字魂58号-创中黑" panose="00000500000000000000" pitchFamily="2" charset="-122"/>
+                    <a:cs typeface="Calibri" panose="020F0502020204030204" pitchFamily="34" charset="0"/>
+                  </a:rPr>
+                  <a:t>grid search to find the best hyperparameters.</a:t>
+                </a:r>
+              </a:p>
+              <a:p>
+                <a:pPr marL="342900" indent="-342900">
+                  <a:lnSpc>
+                    <a:spcPct val="150000"/>
+                  </a:lnSpc>
+                  <a:buFont typeface="Arial" panose="020B0604020202020204" pitchFamily="34" charset="0"/>
+                  <a:buChar char="•"/>
+                </a:pPr>
+                <a:endParaRPr lang="en-US" altLang="zh-CN" sz="2400" dirty="0">
+                  <a:solidFill>
+                    <a:schemeClr val="tx1">
+                      <a:lumMod val="75000"/>
+                      <a:lumOff val="25000"/>
+                    </a:schemeClr>
+                  </a:solidFill>
+                  <a:latin typeface="Calibri" panose="020F0502020204030204" pitchFamily="34" charset="0"/>
+                  <a:ea typeface="字魂58号-创中黑" panose="00000500000000000000" pitchFamily="2" charset="-122"/>
+                  <a:cs typeface="Calibri" panose="020F0502020204030204" pitchFamily="34" charset="0"/>
+                </a:endParaRPr>
+              </a:p>
+              <a:p>
+                <a:pPr>
+                  <a:lnSpc>
+                    <a:spcPct val="150000"/>
+                  </a:lnSpc>
+                </a:pPr>
+                <a:endParaRPr lang="en-US" altLang="zh-CN" sz="2400" dirty="0">
+                  <a:solidFill>
+                    <a:schemeClr val="tx1">
+                      <a:lumMod val="75000"/>
+                      <a:lumOff val="25000"/>
+                    </a:schemeClr>
+                  </a:solidFill>
+                  <a:latin typeface="Calibri" panose="020F0502020204030204" pitchFamily="34" charset="0"/>
+                  <a:ea typeface="字魂58号-创中黑" panose="00000500000000000000" pitchFamily="2" charset="-122"/>
+                  <a:cs typeface="Calibri" panose="020F0502020204030204" pitchFamily="34" charset="0"/>
+                </a:endParaRPr>
+              </a:p>
+              <a:p>
+                <a:pPr>
+                  <a:lnSpc>
+                    <a:spcPct val="150000"/>
+                  </a:lnSpc>
+                </a:pPr>
+                <a:endParaRPr lang="en-US" altLang="zh-CN" dirty="0">
+                  <a:solidFill>
+                    <a:schemeClr val="tx1">
+                      <a:lumMod val="75000"/>
+                      <a:lumOff val="25000"/>
+                    </a:schemeClr>
+                  </a:solidFill>
+                  <a:latin typeface="字魂58号-创中黑" panose="00000500000000000000" pitchFamily="2" charset="-122"/>
+                  <a:ea typeface="字魂58号-创中黑" panose="00000500000000000000" pitchFamily="2" charset="-122"/>
+                </a:endParaRPr>
+              </a:p>
+            </p:txBody>
+          </p:sp>
+        </mc:Choice>
+        <mc:Fallback>
+          <p:sp>
+            <p:nvSpPr>
+              <p:cNvPr id="17" name="文本框 16">
+                <a:extLst>
+                  <a:ext uri="{FF2B5EF4-FFF2-40B4-BE49-F238E27FC236}">
+                    <a16:creationId xmlns:a16="http://schemas.microsoft.com/office/drawing/2014/main" id="{F66EFA57-5254-4371-8012-25BC7A1ED3E9}"/>
+                  </a:ext>
+                </a:extLst>
+              </p:cNvPr>
+              <p:cNvSpPr txBox="1">
+                <a:spLocks noRot="1" noChangeAspect="1" noMove="1" noResize="1" noEditPoints="1" noAdjustHandles="1" noChangeArrowheads="1" noChangeShapeType="1" noTextEdit="1"/>
+              </p:cNvSpPr>
+              <p:nvPr/>
+            </p:nvSpPr>
+            <p:spPr>
+              <a:xfrm>
+                <a:off x="1991813" y="2410475"/>
+                <a:ext cx="8208372" cy="2951898"/>
+              </a:xfrm>
+              <a:prstGeom prst="rect">
+                <a:avLst/>
+              </a:prstGeom>
+              <a:blipFill>
+                <a:blip r:embed="rId3"/>
+                <a:stretch>
+                  <a:fillRect l="-618"/>
+                </a:stretch>
+              </a:blipFill>
+            </p:spPr>
+            <p:txBody>
+              <a:bodyPr/>
+              <a:lstStyle/>
+              <a:p>
+                <a:r>
+                  <a:rPr lang="en-GB">
+                    <a:noFill/>
+                  </a:rPr>
+                  <a:t> </a:t>
+                </a:r>
+              </a:p>
+            </p:txBody>
+          </p:sp>
+        </mc:Fallback>
+      </mc:AlternateContent>
     </p:spTree>
     <p:extLst>
       <p:ext uri="{BB962C8B-B14F-4D97-AF65-F5344CB8AC3E}">

--- a/pythonProject.pptx
+++ b/pythonProject.pptx
@@ -7739,7 +7739,41 @@
                 <a:latin typeface="字魂27号-布丁体" panose="00000500000000000000" pitchFamily="2" charset="-122"/>
                 <a:ea typeface="字魂27号-布丁体" panose="00000500000000000000" pitchFamily="2" charset="-122"/>
               </a:rPr>
-              <a:t>8 Flask API</a:t>
+              <a:t>9</a:t>
+            </a:r>
+            <a:r>
+              <a:rPr lang="en-US" altLang="zh-CN" sz="4000">
+                <a:solidFill>
+                  <a:srgbClr val="ADDDEB"/>
+                </a:solidFill>
+                <a:effectLst>
+                  <a:outerShdw blurRad="38100" dist="38100" dir="2700000" algn="tl">
+                    <a:srgbClr val="000000">
+                      <a:alpha val="43137"/>
+                    </a:srgbClr>
+                  </a:outerShdw>
+                </a:effectLst>
+                <a:latin typeface="字魂27号-布丁体" panose="00000500000000000000" pitchFamily="2" charset="-122"/>
+                <a:ea typeface="字魂27号-布丁体" panose="00000500000000000000" pitchFamily="2" charset="-122"/>
+              </a:rPr>
+              <a:t> </a:t>
+            </a:r>
+            <a:r>
+              <a:rPr lang="en-US" altLang="zh-CN" sz="4000" dirty="0">
+                <a:solidFill>
+                  <a:srgbClr val="ADDDEB"/>
+                </a:solidFill>
+                <a:effectLst>
+                  <a:outerShdw blurRad="38100" dist="38100" dir="2700000" algn="tl">
+                    <a:srgbClr val="000000">
+                      <a:alpha val="43137"/>
+                    </a:srgbClr>
+                  </a:outerShdw>
+                </a:effectLst>
+                <a:latin typeface="字魂27号-布丁体" panose="00000500000000000000" pitchFamily="2" charset="-122"/>
+                <a:ea typeface="字魂27号-布丁体" panose="00000500000000000000" pitchFamily="2" charset="-122"/>
+              </a:rPr>
+              <a:t>Flask API</a:t>
             </a:r>
             <a:endParaRPr lang="zh-CN" altLang="en-US" sz="4000" dirty="0">
               <a:solidFill>
@@ -14168,7 +14202,7 @@
                 <a:latin typeface="字魂27号-布丁体" panose="00000500000000000000" pitchFamily="2" charset="-122"/>
                 <a:ea typeface="字魂27号-布丁体" panose="00000500000000000000" pitchFamily="2" charset="-122"/>
               </a:rPr>
-              <a:t>4 Methods</a:t>
+              <a:t>5 Methods</a:t>
             </a:r>
             <a:endParaRPr lang="zh-CN" altLang="en-US" sz="4800" dirty="0">
               <a:solidFill>
@@ -15147,7 +15181,7 @@
                 <a:latin typeface="字魂27号-布丁体" panose="00000500000000000000" pitchFamily="2" charset="-122"/>
                 <a:ea typeface="字魂27号-布丁体" panose="00000500000000000000" pitchFamily="2" charset="-122"/>
               </a:rPr>
-              <a:t>5 feature engineering</a:t>
+              <a:t>6 feature engineering</a:t>
             </a:r>
             <a:endParaRPr lang="zh-CN" altLang="en-US" sz="4800" dirty="0">
               <a:solidFill>
@@ -16060,7 +16094,7 @@
                 <a:latin typeface="字魂27号-布丁体" panose="00000500000000000000" pitchFamily="2" charset="-122"/>
                 <a:ea typeface="字魂27号-布丁体" panose="00000500000000000000" pitchFamily="2" charset="-122"/>
               </a:rPr>
-              <a:t>6 feature importance</a:t>
+              <a:t>7 feature importance</a:t>
             </a:r>
             <a:endParaRPr lang="zh-CN" altLang="en-US" sz="4000" dirty="0">
               <a:solidFill>
@@ -16839,7 +16873,7 @@
                 <a:latin typeface="字魂27号-布丁体" panose="00000500000000000000" pitchFamily="2" charset="-122"/>
                 <a:ea typeface="字魂27号-布丁体" panose="00000500000000000000" pitchFamily="2" charset="-122"/>
               </a:rPr>
-              <a:t>7 result</a:t>
+              <a:t>8 result</a:t>
             </a:r>
             <a:endParaRPr lang="zh-CN" altLang="en-US" sz="4000" dirty="0">
               <a:solidFill>

--- a/pythonProject.pptx
+++ b/pythonProject.pptx
@@ -13,10 +13,10 @@
     <p:sldId id="348" r:id="rId4"/>
     <p:sldId id="349" r:id="rId5"/>
     <p:sldId id="350" r:id="rId6"/>
-    <p:sldId id="355" r:id="rId7"/>
-    <p:sldId id="351" r:id="rId8"/>
-    <p:sldId id="352" r:id="rId9"/>
-    <p:sldId id="353" r:id="rId10"/>
+    <p:sldId id="351" r:id="rId7"/>
+    <p:sldId id="355" r:id="rId8"/>
+    <p:sldId id="353" r:id="rId9"/>
+    <p:sldId id="352" r:id="rId10"/>
     <p:sldId id="354" r:id="rId11"/>
     <p:sldId id="327" r:id="rId12"/>
   </p:sldIdLst>
@@ -1150,7 +1150,7 @@
     </p:spTree>
     <p:extLst>
       <p:ext uri="{BB962C8B-B14F-4D97-AF65-F5344CB8AC3E}">
-        <p14:creationId xmlns:p14="http://schemas.microsoft.com/office/powerpoint/2010/main" val="2398021937"/>
+        <p14:creationId xmlns:p14="http://schemas.microsoft.com/office/powerpoint/2010/main" val="1378654738"/>
       </p:ext>
     </p:extLst>
   </p:cSld>
@@ -1234,7 +1234,7 @@
     </p:spTree>
     <p:extLst>
       <p:ext uri="{BB962C8B-B14F-4D97-AF65-F5344CB8AC3E}">
-        <p14:creationId xmlns:p14="http://schemas.microsoft.com/office/powerpoint/2010/main" val="1378654738"/>
+        <p14:creationId xmlns:p14="http://schemas.microsoft.com/office/powerpoint/2010/main" val="2398021937"/>
       </p:ext>
     </p:extLst>
   </p:cSld>
@@ -1318,7 +1318,7 @@
     </p:spTree>
     <p:extLst>
       <p:ext uri="{BB962C8B-B14F-4D97-AF65-F5344CB8AC3E}">
-        <p14:creationId xmlns:p14="http://schemas.microsoft.com/office/powerpoint/2010/main" val="79255692"/>
+        <p14:creationId xmlns:p14="http://schemas.microsoft.com/office/powerpoint/2010/main" val="3887240694"/>
       </p:ext>
     </p:extLst>
   </p:cSld>
@@ -1402,7 +1402,7 @@
     </p:spTree>
     <p:extLst>
       <p:ext uri="{BB962C8B-B14F-4D97-AF65-F5344CB8AC3E}">
-        <p14:creationId xmlns:p14="http://schemas.microsoft.com/office/powerpoint/2010/main" val="3887240694"/>
+        <p14:creationId xmlns:p14="http://schemas.microsoft.com/office/powerpoint/2010/main" val="79255692"/>
       </p:ext>
     </p:extLst>
   </p:cSld>
@@ -8377,7 +8377,7 @@
                 <a:ea typeface="字魂27号-布丁体" panose="00000500000000000000" pitchFamily="2" charset="-122"/>
                 <a:cs typeface="Calibri" panose="020F0502020204030204" pitchFamily="34" charset="0"/>
               </a:rPr>
-              <a:t>Thank you for your evaluating</a:t>
+              <a:t>Thank you for your evaluation</a:t>
             </a:r>
             <a:endParaRPr lang="zh-CN" altLang="en-US" sz="4400" dirty="0">
               <a:ln>
@@ -11702,7 +11702,7 @@
                 <a:latin typeface="字魂58号-创中黑" panose="00000500000000000000" pitchFamily="2" charset="-122"/>
                 <a:ea typeface="字魂58号-创中黑" panose="00000500000000000000" pitchFamily="2" charset="-122"/>
               </a:rPr>
-              <a:t>5 time variables</a:t>
+              <a:t>5 time (date) variables</a:t>
             </a:r>
           </a:p>
           <a:p>
@@ -12520,7 +12520,7 @@
                 <a:latin typeface="字魂27号-布丁体" panose="00000500000000000000" pitchFamily="2" charset="-122"/>
                 <a:ea typeface="字魂27号-布丁体" panose="00000500000000000000" pitchFamily="2" charset="-122"/>
               </a:rPr>
-              <a:t>3 Target</a:t>
+              <a:t>3 Target variable</a:t>
             </a:r>
             <a:endParaRPr lang="zh-CN" altLang="en-US" sz="4800" dirty="0">
               <a:solidFill>
@@ -13398,8 +13398,8 @@
         </p:nvSpPr>
         <p:spPr>
           <a:xfrm>
-            <a:off x="1991813" y="2410475"/>
-            <a:ext cx="8208372" cy="2674899"/>
+            <a:off x="1784118" y="2056514"/>
+            <a:ext cx="8208372" cy="2807948"/>
           </a:xfrm>
           <a:prstGeom prst="rect">
             <a:avLst/>
@@ -13420,7 +13420,7 @@
               <a:buChar char="•"/>
             </a:pPr>
             <a:r>
-              <a:rPr lang="en-US" altLang="zh-CN" sz="2400" dirty="0">
+              <a:rPr lang="en-US" altLang="zh-CN" sz="2000" dirty="0">
                 <a:solidFill>
                   <a:schemeClr val="tx1">
                     <a:lumMod val="75000"/>
@@ -13431,7 +13431,7 @@
                 <a:ea typeface="字魂58号-创中黑" panose="00000500000000000000" pitchFamily="2" charset="-122"/>
                 <a:cs typeface="Calibri" panose="020F0502020204030204" pitchFamily="34" charset="0"/>
               </a:rPr>
-              <a:t>Regression would be used, so the data type should be numeric, so I used label encoder to change category and bool type data to numeric.</a:t>
+              <a:t>Since the target is numeric, regression related method (algorithm) should be used. Also, because covariates include different types of data (e.g., category, bool, etc.), label encoder were used to change them into a format that can be processed.</a:t>
             </a:r>
           </a:p>
           <a:p>
@@ -13440,7 +13440,7 @@
                 <a:spcPct val="150000"/>
               </a:lnSpc>
             </a:pPr>
-            <a:endParaRPr lang="en-US" altLang="zh-CN" sz="2400" dirty="0">
+            <a:endParaRPr lang="en-US" altLang="zh-CN" sz="2000" dirty="0">
               <a:solidFill>
                 <a:schemeClr val="tx1">
                   <a:lumMod val="75000"/>
@@ -13458,7 +13458,7 @@
                 <a:spcPct val="150000"/>
               </a:lnSpc>
             </a:pPr>
-            <a:endParaRPr lang="en-US" altLang="zh-CN" dirty="0">
+            <a:endParaRPr lang="en-US" altLang="zh-CN" sz="2000" dirty="0">
               <a:solidFill>
                 <a:schemeClr val="tx1">
                   <a:lumMod val="75000"/>
@@ -13499,7 +13499,7 @@
         </p:blipFill>
         <p:spPr>
           <a:xfrm>
-            <a:off x="2199507" y="4178059"/>
+            <a:off x="2135536" y="3882978"/>
             <a:ext cx="7792983" cy="1614931"/>
           </a:xfrm>
           <a:prstGeom prst="rect">
@@ -14202,7 +14202,7 @@
                 <a:latin typeface="字魂27号-布丁体" panose="00000500000000000000" pitchFamily="2" charset="-122"/>
                 <a:ea typeface="字魂27号-布丁体" panose="00000500000000000000" pitchFamily="2" charset="-122"/>
               </a:rPr>
-              <a:t>5 Methods</a:t>
+              <a:t>5 feature engineering</a:t>
             </a:r>
             <a:endParaRPr lang="zh-CN" altLang="en-US" sz="4800" dirty="0">
               <a:solidFill>
@@ -14221,8 +14221,858 @@
           </a:p>
         </p:txBody>
       </p:sp>
-      <mc:AlternateContent xmlns:mc="http://schemas.openxmlformats.org/markup-compatibility/2006">
-        <mc:Choice xmlns:a14="http://schemas.microsoft.com/office/drawing/2010/main" Requires="a14">
+      <p:sp>
+        <p:nvSpPr>
+          <p:cNvPr id="17" name="文本框 16">
+            <a:extLst>
+              <a:ext uri="{FF2B5EF4-FFF2-40B4-BE49-F238E27FC236}">
+                <a16:creationId xmlns:a16="http://schemas.microsoft.com/office/drawing/2014/main" id="{F66EFA57-5254-4371-8012-25BC7A1ED3E9}"/>
+              </a:ext>
+            </a:extLst>
+          </p:cNvPr>
+          <p:cNvSpPr txBox="1"/>
+          <p:nvPr/>
+        </p:nvSpPr>
+        <p:spPr>
+          <a:xfrm>
+            <a:off x="1991813" y="2236924"/>
+            <a:ext cx="8208372" cy="2351541"/>
+          </a:xfrm>
+          <a:prstGeom prst="rect">
+            <a:avLst/>
+          </a:prstGeom>
+          <a:noFill/>
+        </p:spPr>
+        <p:txBody>
+          <a:bodyPr wrap="square" rtlCol="0">
+            <a:spAutoFit/>
+          </a:bodyPr>
+          <a:lstStyle/>
+          <a:p>
+            <a:pPr marL="342900" indent="-342900">
+              <a:lnSpc>
+                <a:spcPct val="150000"/>
+              </a:lnSpc>
+              <a:buFont typeface="Arial" panose="020B0604020202020204" pitchFamily="34" charset="0"/>
+              <a:buChar char="•"/>
+            </a:pPr>
+            <a:r>
+              <a:rPr lang="en-US" altLang="zh-CN" sz="2000" dirty="0">
+                <a:solidFill>
+                  <a:schemeClr val="tx1">
+                    <a:lumMod val="75000"/>
+                    <a:lumOff val="25000"/>
+                  </a:schemeClr>
+                </a:solidFill>
+                <a:latin typeface="Calibri" panose="020F0502020204030204" pitchFamily="34" charset="0"/>
+                <a:ea typeface="字魂58号-创中黑" panose="00000500000000000000" pitchFamily="2" charset="-122"/>
+                <a:cs typeface="Calibri" panose="020F0502020204030204" pitchFamily="34" charset="0"/>
+              </a:rPr>
+              <a:t>Random Forest (RF) were firstly used to select covariates that contributed most.</a:t>
+            </a:r>
+          </a:p>
+          <a:p>
+            <a:pPr marL="342900" indent="-342900">
+              <a:lnSpc>
+                <a:spcPct val="150000"/>
+              </a:lnSpc>
+              <a:buFont typeface="Arial" panose="020B0604020202020204" pitchFamily="34" charset="0"/>
+              <a:buChar char="•"/>
+            </a:pPr>
+            <a:r>
+              <a:rPr lang="en-US" altLang="zh-CN" sz="2000" dirty="0">
+                <a:solidFill>
+                  <a:schemeClr val="tx1">
+                    <a:lumMod val="75000"/>
+                    <a:lumOff val="25000"/>
+                  </a:schemeClr>
+                </a:solidFill>
+                <a:latin typeface="Calibri" panose="020F0502020204030204" pitchFamily="34" charset="0"/>
+                <a:ea typeface="字魂58号-创中黑" panose="00000500000000000000" pitchFamily="2" charset="-122"/>
+                <a:cs typeface="Calibri" panose="020F0502020204030204" pitchFamily="34" charset="0"/>
+              </a:rPr>
+              <a:t>“</a:t>
+            </a:r>
+            <a:r>
+              <a:rPr lang="en-US" altLang="zh-CN" sz="2000" dirty="0" err="1">
+                <a:solidFill>
+                  <a:schemeClr val="tx1">
+                    <a:lumMod val="75000"/>
+                    <a:lumOff val="25000"/>
+                  </a:schemeClr>
+                </a:solidFill>
+                <a:latin typeface="Calibri" panose="020F0502020204030204" pitchFamily="34" charset="0"/>
+                <a:ea typeface="字魂58号-创中黑" panose="00000500000000000000" pitchFamily="2" charset="-122"/>
+                <a:cs typeface="Calibri" panose="020F0502020204030204" pitchFamily="34" charset="0"/>
+              </a:rPr>
+              <a:t>resolved_at</a:t>
+            </a:r>
+            <a:r>
+              <a:rPr lang="en-US" altLang="zh-CN" sz="2000" dirty="0">
+                <a:solidFill>
+                  <a:schemeClr val="tx1">
+                    <a:lumMod val="75000"/>
+                    <a:lumOff val="25000"/>
+                  </a:schemeClr>
+                </a:solidFill>
+                <a:latin typeface="Calibri" panose="020F0502020204030204" pitchFamily="34" charset="0"/>
+                <a:ea typeface="字魂58号-创中黑" panose="00000500000000000000" pitchFamily="2" charset="-122"/>
+                <a:cs typeface="Calibri" panose="020F0502020204030204" pitchFamily="34" charset="0"/>
+              </a:rPr>
+              <a:t>” is the most contributing variable. The accuracy of RF model can decrease from about 0.96 to 0.78 after delete this variable.</a:t>
+            </a:r>
+          </a:p>
+          <a:p>
+            <a:pPr marL="342900" indent="-342900">
+              <a:lnSpc>
+                <a:spcPct val="150000"/>
+              </a:lnSpc>
+              <a:buFont typeface="Arial" panose="020B0604020202020204" pitchFamily="34" charset="0"/>
+              <a:buChar char="•"/>
+            </a:pPr>
+            <a:r>
+              <a:rPr lang="en-US" altLang="zh-CN" sz="2000" dirty="0">
+                <a:solidFill>
+                  <a:schemeClr val="tx1">
+                    <a:lumMod val="75000"/>
+                    <a:lumOff val="25000"/>
+                  </a:schemeClr>
+                </a:solidFill>
+                <a:latin typeface="Calibri" panose="020F0502020204030204" pitchFamily="34" charset="0"/>
+                <a:ea typeface="字魂58号-创中黑" panose="00000500000000000000" pitchFamily="2" charset="-122"/>
+                <a:cs typeface="Calibri" panose="020F0502020204030204" pitchFamily="34" charset="0"/>
+              </a:rPr>
+              <a:t>I also deleted all columns whose importance (MDA) equals about 0</a:t>
+            </a:r>
+            <a:endParaRPr lang="en-US" altLang="zh-CN" dirty="0">
+              <a:solidFill>
+                <a:schemeClr val="tx1">
+                  <a:lumMod val="75000"/>
+                  <a:lumOff val="25000"/>
+                </a:schemeClr>
+              </a:solidFill>
+              <a:latin typeface="字魂58号-创中黑" panose="00000500000000000000" pitchFamily="2" charset="-122"/>
+              <a:ea typeface="字魂58号-创中黑" panose="00000500000000000000" pitchFamily="2" charset="-122"/>
+            </a:endParaRPr>
+          </a:p>
+        </p:txBody>
+      </p:sp>
+    </p:spTree>
+    <p:extLst>
+      <p:ext uri="{BB962C8B-B14F-4D97-AF65-F5344CB8AC3E}">
+        <p14:creationId xmlns:p14="http://schemas.microsoft.com/office/powerpoint/2010/main" val="2592698645"/>
+      </p:ext>
+    </p:extLst>
+  </p:cSld>
+  <p:clrMapOvr>
+    <a:masterClrMapping/>
+  </p:clrMapOvr>
+  <mc:AlternateContent xmlns:mc="http://schemas.openxmlformats.org/markup-compatibility/2006" xmlns:p14="http://schemas.microsoft.com/office/powerpoint/2010/main">
+    <mc:Choice Requires="p14">
+      <p:transition spd="slow" p14:dur="1500">
+        <p:split orient="vert"/>
+      </p:transition>
+    </mc:Choice>
+    <mc:Fallback xmlns="">
+      <p:transition spd="slow">
+        <p:split orient="vert"/>
+      </p:transition>
+    </mc:Fallback>
+  </mc:AlternateContent>
+  <p:timing>
+    <p:tnLst>
+      <p:par>
+        <p:cTn id="1" dur="indefinite" restart="never" nodeType="tmRoot">
+          <p:childTnLst>
+            <p:seq concurrent="1" nextAc="seek">
+              <p:cTn id="2" dur="indefinite" nodeType="mainSeq">
+                <p:childTnLst>
+                  <p:par>
+                    <p:cTn id="3" fill="hold">
+                      <p:stCondLst>
+                        <p:cond delay="indefinite"/>
+                        <p:cond evt="onBegin" delay="0">
+                          <p:tn val="2"/>
+                        </p:cond>
+                      </p:stCondLst>
+                      <p:childTnLst>
+                        <p:par>
+                          <p:cTn id="4" fill="hold">
+                            <p:stCondLst>
+                              <p:cond delay="0"/>
+                            </p:stCondLst>
+                            <p:childTnLst>
+                              <p:par>
+                                <p:cTn id="5" presetID="10" presetClass="entr" presetSubtype="0" fill="hold" grpId="0" nodeType="withEffect">
+                                  <p:stCondLst>
+                                    <p:cond delay="0"/>
+                                  </p:stCondLst>
+                                  <p:childTnLst>
+                                    <p:set>
+                                      <p:cBhvr>
+                                        <p:cTn id="6" dur="1" fill="hold">
+                                          <p:stCondLst>
+                                            <p:cond delay="0"/>
+                                          </p:stCondLst>
+                                        </p:cTn>
+                                        <p:tgtEl>
+                                          <p:spTgt spid="5"/>
+                                        </p:tgtEl>
+                                        <p:attrNameLst>
+                                          <p:attrName>style.visibility</p:attrName>
+                                        </p:attrNameLst>
+                                      </p:cBhvr>
+                                      <p:to>
+                                        <p:strVal val="visible"/>
+                                      </p:to>
+                                    </p:set>
+                                    <p:animEffect transition="in" filter="fade">
+                                      <p:cBhvr>
+                                        <p:cTn id="7" dur="500"/>
+                                        <p:tgtEl>
+                                          <p:spTgt spid="5"/>
+                                        </p:tgtEl>
+                                      </p:cBhvr>
+                                    </p:animEffect>
+                                  </p:childTnLst>
+                                </p:cTn>
+                              </p:par>
+                              <p:par>
+                                <p:cTn id="8" presetID="10" presetClass="entr" presetSubtype="0" fill="hold" grpId="0" nodeType="withEffect">
+                                  <p:stCondLst>
+                                    <p:cond delay="0"/>
+                                  </p:stCondLst>
+                                  <p:childTnLst>
+                                    <p:set>
+                                      <p:cBhvr>
+                                        <p:cTn id="9" dur="1" fill="hold">
+                                          <p:stCondLst>
+                                            <p:cond delay="0"/>
+                                          </p:stCondLst>
+                                        </p:cTn>
+                                        <p:tgtEl>
+                                          <p:spTgt spid="6"/>
+                                        </p:tgtEl>
+                                        <p:attrNameLst>
+                                          <p:attrName>style.visibility</p:attrName>
+                                        </p:attrNameLst>
+                                      </p:cBhvr>
+                                      <p:to>
+                                        <p:strVal val="visible"/>
+                                      </p:to>
+                                    </p:set>
+                                    <p:animEffect transition="in" filter="fade">
+                                      <p:cBhvr>
+                                        <p:cTn id="10" dur="500"/>
+                                        <p:tgtEl>
+                                          <p:spTgt spid="6"/>
+                                        </p:tgtEl>
+                                      </p:cBhvr>
+                                    </p:animEffect>
+                                  </p:childTnLst>
+                                </p:cTn>
+                              </p:par>
+                              <p:par>
+                                <p:cTn id="11" presetID="10" presetClass="entr" presetSubtype="0" fill="hold" grpId="0" nodeType="withEffect">
+                                  <p:stCondLst>
+                                    <p:cond delay="0"/>
+                                  </p:stCondLst>
+                                  <p:childTnLst>
+                                    <p:set>
+                                      <p:cBhvr>
+                                        <p:cTn id="12" dur="1" fill="hold">
+                                          <p:stCondLst>
+                                            <p:cond delay="0"/>
+                                          </p:stCondLst>
+                                        </p:cTn>
+                                        <p:tgtEl>
+                                          <p:spTgt spid="7"/>
+                                        </p:tgtEl>
+                                        <p:attrNameLst>
+                                          <p:attrName>style.visibility</p:attrName>
+                                        </p:attrNameLst>
+                                      </p:cBhvr>
+                                      <p:to>
+                                        <p:strVal val="visible"/>
+                                      </p:to>
+                                    </p:set>
+                                    <p:animEffect transition="in" filter="fade">
+                                      <p:cBhvr>
+                                        <p:cTn id="13" dur="500"/>
+                                        <p:tgtEl>
+                                          <p:spTgt spid="7"/>
+                                        </p:tgtEl>
+                                      </p:cBhvr>
+                                    </p:animEffect>
+                                  </p:childTnLst>
+                                </p:cTn>
+                              </p:par>
+                              <p:par>
+                                <p:cTn id="14" presetID="10" presetClass="entr" presetSubtype="0" fill="hold" grpId="0" nodeType="withEffect">
+                                  <p:stCondLst>
+                                    <p:cond delay="0"/>
+                                  </p:stCondLst>
+                                  <p:childTnLst>
+                                    <p:set>
+                                      <p:cBhvr>
+                                        <p:cTn id="15" dur="1" fill="hold">
+                                          <p:stCondLst>
+                                            <p:cond delay="0"/>
+                                          </p:stCondLst>
+                                        </p:cTn>
+                                        <p:tgtEl>
+                                          <p:spTgt spid="8"/>
+                                        </p:tgtEl>
+                                        <p:attrNameLst>
+                                          <p:attrName>style.visibility</p:attrName>
+                                        </p:attrNameLst>
+                                      </p:cBhvr>
+                                      <p:to>
+                                        <p:strVal val="visible"/>
+                                      </p:to>
+                                    </p:set>
+                                    <p:animEffect transition="in" filter="fade">
+                                      <p:cBhvr>
+                                        <p:cTn id="16" dur="500"/>
+                                        <p:tgtEl>
+                                          <p:spTgt spid="8"/>
+                                        </p:tgtEl>
+                                      </p:cBhvr>
+                                    </p:animEffect>
+                                  </p:childTnLst>
+                                </p:cTn>
+                              </p:par>
+                            </p:childTnLst>
+                          </p:cTn>
+                        </p:par>
+                        <p:par>
+                          <p:cTn id="17" fill="hold">
+                            <p:stCondLst>
+                              <p:cond delay="500"/>
+                            </p:stCondLst>
+                            <p:childTnLst>
+                              <p:par>
+                                <p:cTn id="18" presetID="22" presetClass="entr" presetSubtype="8" fill="hold" grpId="0" nodeType="afterEffect">
+                                  <p:stCondLst>
+                                    <p:cond delay="0"/>
+                                  </p:stCondLst>
+                                  <p:childTnLst>
+                                    <p:set>
+                                      <p:cBhvr>
+                                        <p:cTn id="19" dur="1" fill="hold">
+                                          <p:stCondLst>
+                                            <p:cond delay="0"/>
+                                          </p:stCondLst>
+                                        </p:cTn>
+                                        <p:tgtEl>
+                                          <p:spTgt spid="15"/>
+                                        </p:tgtEl>
+                                        <p:attrNameLst>
+                                          <p:attrName>style.visibility</p:attrName>
+                                        </p:attrNameLst>
+                                      </p:cBhvr>
+                                      <p:to>
+                                        <p:strVal val="visible"/>
+                                      </p:to>
+                                    </p:set>
+                                    <p:animEffect transition="in" filter="wipe(left)">
+                                      <p:cBhvr>
+                                        <p:cTn id="20" dur="500"/>
+                                        <p:tgtEl>
+                                          <p:spTgt spid="15"/>
+                                        </p:tgtEl>
+                                      </p:cBhvr>
+                                    </p:animEffect>
+                                  </p:childTnLst>
+                                </p:cTn>
+                              </p:par>
+                            </p:childTnLst>
+                          </p:cTn>
+                        </p:par>
+                        <p:par>
+                          <p:cTn id="21" fill="hold">
+                            <p:stCondLst>
+                              <p:cond delay="1000"/>
+                            </p:stCondLst>
+                            <p:childTnLst>
+                              <p:par>
+                                <p:cTn id="22" presetID="22" presetClass="entr" presetSubtype="8" fill="hold" grpId="0" nodeType="afterEffect">
+                                  <p:stCondLst>
+                                    <p:cond delay="0"/>
+                                  </p:stCondLst>
+                                  <p:childTnLst>
+                                    <p:set>
+                                      <p:cBhvr>
+                                        <p:cTn id="23" dur="1" fill="hold">
+                                          <p:stCondLst>
+                                            <p:cond delay="0"/>
+                                          </p:stCondLst>
+                                        </p:cTn>
+                                        <p:tgtEl>
+                                          <p:spTgt spid="17"/>
+                                        </p:tgtEl>
+                                        <p:attrNameLst>
+                                          <p:attrName>style.visibility</p:attrName>
+                                        </p:attrNameLst>
+                                      </p:cBhvr>
+                                      <p:to>
+                                        <p:strVal val="visible"/>
+                                      </p:to>
+                                    </p:set>
+                                    <p:animEffect transition="in" filter="wipe(left)">
+                                      <p:cBhvr>
+                                        <p:cTn id="24" dur="500"/>
+                                        <p:tgtEl>
+                                          <p:spTgt spid="17"/>
+                                        </p:tgtEl>
+                                      </p:cBhvr>
+                                    </p:animEffect>
+                                  </p:childTnLst>
+                                </p:cTn>
+                              </p:par>
+                            </p:childTnLst>
+                          </p:cTn>
+                        </p:par>
+                      </p:childTnLst>
+                    </p:cTn>
+                  </p:par>
+                </p:childTnLst>
+              </p:cTn>
+              <p:prevCondLst>
+                <p:cond evt="onPrev" delay="0">
+                  <p:tgtEl>
+                    <p:sldTgt/>
+                  </p:tgtEl>
+                </p:cond>
+              </p:prevCondLst>
+              <p:nextCondLst>
+                <p:cond evt="onNext" delay="0">
+                  <p:tgtEl>
+                    <p:sldTgt/>
+                  </p:tgtEl>
+                </p:cond>
+              </p:nextCondLst>
+            </p:seq>
+          </p:childTnLst>
+        </p:cTn>
+      </p:par>
+    </p:tnLst>
+    <p:bldLst>
+      <p:bldP spid="5" grpId="0" animBg="1"/>
+      <p:bldP spid="6" grpId="0" animBg="1"/>
+      <p:bldP spid="7" grpId="0" animBg="1"/>
+      <p:bldP spid="8" grpId="0" animBg="1"/>
+      <p:bldP spid="15" grpId="0"/>
+      <p:bldP spid="17" grpId="0"/>
+    </p:bldLst>
+  </p:timing>
+</p:sld>
+</file>
+
+<file path=ppt/slides/slide7.xml><?xml version="1.0" encoding="utf-8"?>
+<p:sld xmlns:a="http://schemas.openxmlformats.org/drawingml/2006/main" xmlns:r="http://schemas.openxmlformats.org/officeDocument/2006/relationships" xmlns:p="http://schemas.openxmlformats.org/presentationml/2006/main">
+  <p:cSld>
+    <p:spTree>
+      <p:nvGrpSpPr>
+        <p:cNvPr id="1" name=""/>
+        <p:cNvGrpSpPr/>
+        <p:nvPr/>
+      </p:nvGrpSpPr>
+      <p:grpSpPr>
+        <a:xfrm>
+          <a:off x="0" y="0"/>
+          <a:ext cx="0" cy="0"/>
+          <a:chOff x="0" y="0"/>
+          <a:chExt cx="0" cy="0"/>
+        </a:xfrm>
+      </p:grpSpPr>
+      <p:sp>
+        <p:nvSpPr>
+          <p:cNvPr id="2" name="矩形 1">
+            <a:extLst>
+              <a:ext uri="{FF2B5EF4-FFF2-40B4-BE49-F238E27FC236}">
+                <a16:creationId xmlns:a16="http://schemas.microsoft.com/office/drawing/2014/main" id="{1FC8256A-141F-4AA0-91DF-9B669381FF0F}"/>
+              </a:ext>
+            </a:extLst>
+          </p:cNvPr>
+          <p:cNvSpPr/>
+          <p:nvPr/>
+        </p:nvSpPr>
+        <p:spPr>
+          <a:xfrm>
+            <a:off x="-17252" y="1246"/>
+            <a:ext cx="7218152" cy="6858000"/>
+          </a:xfrm>
+          <a:prstGeom prst="rect">
+            <a:avLst/>
+          </a:prstGeom>
+          <a:solidFill>
+            <a:srgbClr val="ADDDEB"/>
+          </a:solidFill>
+          <a:ln>
+            <a:noFill/>
+          </a:ln>
+        </p:spPr>
+        <p:style>
+          <a:lnRef idx="2">
+            <a:schemeClr val="accent1">
+              <a:shade val="50000"/>
+            </a:schemeClr>
+          </a:lnRef>
+          <a:fillRef idx="1">
+            <a:schemeClr val="accent1"/>
+          </a:fillRef>
+          <a:effectRef idx="0">
+            <a:schemeClr val="accent1"/>
+          </a:effectRef>
+          <a:fontRef idx="minor">
+            <a:schemeClr val="lt1"/>
+          </a:fontRef>
+        </p:style>
+        <p:txBody>
+          <a:bodyPr rtlCol="0" anchor="ctr"/>
+          <a:lstStyle/>
+          <a:p>
+            <a:pPr algn="ctr"/>
+            <a:endParaRPr lang="zh-CN" altLang="en-US"/>
+          </a:p>
+        </p:txBody>
+      </p:sp>
+      <p:sp>
+        <p:nvSpPr>
+          <p:cNvPr id="4" name="矩形: 圆角 3">
+            <a:extLst>
+              <a:ext uri="{FF2B5EF4-FFF2-40B4-BE49-F238E27FC236}">
+                <a16:creationId xmlns:a16="http://schemas.microsoft.com/office/drawing/2014/main" id="{466571E5-95D8-47E4-9066-10D201D95179}"/>
+              </a:ext>
+            </a:extLst>
+          </p:cNvPr>
+          <p:cNvSpPr/>
+          <p:nvPr/>
+        </p:nvSpPr>
+        <p:spPr>
+          <a:xfrm>
+            <a:off x="715735" y="628650"/>
+            <a:ext cx="10760529" cy="5600700"/>
+          </a:xfrm>
+          <a:prstGeom prst="roundRect">
+            <a:avLst>
+              <a:gd name="adj" fmla="val 5005"/>
+            </a:avLst>
+          </a:prstGeom>
+          <a:solidFill>
+            <a:schemeClr val="bg1"/>
+          </a:solidFill>
+          <a:ln>
+            <a:noFill/>
+          </a:ln>
+          <a:effectLst>
+            <a:outerShdw blurRad="114300" dist="12700" sx="102000" sy="102000" algn="ctr" rotWithShape="0">
+              <a:schemeClr val="tx1">
+                <a:lumMod val="65000"/>
+                <a:lumOff val="35000"/>
+                <a:alpha val="36000"/>
+              </a:schemeClr>
+            </a:outerShdw>
+          </a:effectLst>
+        </p:spPr>
+        <p:style>
+          <a:lnRef idx="2">
+            <a:schemeClr val="accent1">
+              <a:shade val="50000"/>
+            </a:schemeClr>
+          </a:lnRef>
+          <a:fillRef idx="1">
+            <a:schemeClr val="accent1"/>
+          </a:fillRef>
+          <a:effectRef idx="0">
+            <a:schemeClr val="accent1"/>
+          </a:effectRef>
+          <a:fontRef idx="minor">
+            <a:schemeClr val="lt1"/>
+          </a:fontRef>
+        </p:style>
+        <p:txBody>
+          <a:bodyPr rtlCol="0" anchor="ctr"/>
+          <a:lstStyle/>
+          <a:p>
+            <a:pPr algn="ctr"/>
+            <a:endParaRPr lang="zh-CN" altLang="en-US"/>
+          </a:p>
+        </p:txBody>
+      </p:sp>
+      <p:sp>
+        <p:nvSpPr>
+          <p:cNvPr id="5" name="椭圆 4">
+            <a:extLst>
+              <a:ext uri="{FF2B5EF4-FFF2-40B4-BE49-F238E27FC236}">
+                <a16:creationId xmlns:a16="http://schemas.microsoft.com/office/drawing/2014/main" id="{D2C064BC-4F19-4498-9B8A-AAB5B911457D}"/>
+              </a:ext>
+            </a:extLst>
+          </p:cNvPr>
+          <p:cNvSpPr/>
+          <p:nvPr/>
+        </p:nvSpPr>
+        <p:spPr>
+          <a:xfrm>
+            <a:off x="943662" y="833223"/>
+            <a:ext cx="231787" cy="231787"/>
+          </a:xfrm>
+          <a:prstGeom prst="ellipse">
+            <a:avLst/>
+          </a:prstGeom>
+          <a:solidFill>
+            <a:srgbClr val="F6E2E3"/>
+          </a:solidFill>
+          <a:ln>
+            <a:noFill/>
+          </a:ln>
+        </p:spPr>
+        <p:style>
+          <a:lnRef idx="2">
+            <a:schemeClr val="accent1">
+              <a:shade val="50000"/>
+            </a:schemeClr>
+          </a:lnRef>
+          <a:fillRef idx="1">
+            <a:schemeClr val="accent1"/>
+          </a:fillRef>
+          <a:effectRef idx="0">
+            <a:schemeClr val="accent1"/>
+          </a:effectRef>
+          <a:fontRef idx="minor">
+            <a:schemeClr val="lt1"/>
+          </a:fontRef>
+        </p:style>
+        <p:txBody>
+          <a:bodyPr rtlCol="0" anchor="ctr"/>
+          <a:lstStyle/>
+          <a:p>
+            <a:pPr algn="ctr"/>
+            <a:endParaRPr lang="zh-CN" altLang="en-US"/>
+          </a:p>
+        </p:txBody>
+      </p:sp>
+      <p:sp>
+        <p:nvSpPr>
+          <p:cNvPr id="6" name="椭圆 5">
+            <a:extLst>
+              <a:ext uri="{FF2B5EF4-FFF2-40B4-BE49-F238E27FC236}">
+                <a16:creationId xmlns:a16="http://schemas.microsoft.com/office/drawing/2014/main" id="{BB29152F-73C0-4E1F-B79E-F71641D304C4}"/>
+              </a:ext>
+            </a:extLst>
+          </p:cNvPr>
+          <p:cNvSpPr/>
+          <p:nvPr/>
+        </p:nvSpPr>
+        <p:spPr>
+          <a:xfrm>
+            <a:off x="11016551" y="833223"/>
+            <a:ext cx="231787" cy="231787"/>
+          </a:xfrm>
+          <a:prstGeom prst="ellipse">
+            <a:avLst/>
+          </a:prstGeom>
+          <a:solidFill>
+            <a:srgbClr val="ADDDEB"/>
+          </a:solidFill>
+          <a:ln>
+            <a:noFill/>
+          </a:ln>
+        </p:spPr>
+        <p:style>
+          <a:lnRef idx="2">
+            <a:schemeClr val="accent1">
+              <a:shade val="50000"/>
+            </a:schemeClr>
+          </a:lnRef>
+          <a:fillRef idx="1">
+            <a:schemeClr val="accent1"/>
+          </a:fillRef>
+          <a:effectRef idx="0">
+            <a:schemeClr val="accent1"/>
+          </a:effectRef>
+          <a:fontRef idx="minor">
+            <a:schemeClr val="lt1"/>
+          </a:fontRef>
+        </p:style>
+        <p:txBody>
+          <a:bodyPr rtlCol="0" anchor="ctr"/>
+          <a:lstStyle/>
+          <a:p>
+            <a:pPr algn="ctr"/>
+            <a:endParaRPr lang="zh-CN" altLang="en-US"/>
+          </a:p>
+        </p:txBody>
+      </p:sp>
+      <p:sp>
+        <p:nvSpPr>
+          <p:cNvPr id="7" name="椭圆 6">
+            <a:extLst>
+              <a:ext uri="{FF2B5EF4-FFF2-40B4-BE49-F238E27FC236}">
+                <a16:creationId xmlns:a16="http://schemas.microsoft.com/office/drawing/2014/main" id="{4C0AD194-29E0-4A8E-8ECF-ED9C8CCE5ACD}"/>
+              </a:ext>
+            </a:extLst>
+          </p:cNvPr>
+          <p:cNvSpPr/>
+          <p:nvPr/>
+        </p:nvSpPr>
+        <p:spPr>
+          <a:xfrm>
+            <a:off x="943662" y="5792990"/>
+            <a:ext cx="231787" cy="231787"/>
+          </a:xfrm>
+          <a:prstGeom prst="ellipse">
+            <a:avLst/>
+          </a:prstGeom>
+          <a:solidFill>
+            <a:srgbClr val="F6E2E3"/>
+          </a:solidFill>
+          <a:ln>
+            <a:noFill/>
+          </a:ln>
+        </p:spPr>
+        <p:style>
+          <a:lnRef idx="2">
+            <a:schemeClr val="accent1">
+              <a:shade val="50000"/>
+            </a:schemeClr>
+          </a:lnRef>
+          <a:fillRef idx="1">
+            <a:schemeClr val="accent1"/>
+          </a:fillRef>
+          <a:effectRef idx="0">
+            <a:schemeClr val="accent1"/>
+          </a:effectRef>
+          <a:fontRef idx="minor">
+            <a:schemeClr val="lt1"/>
+          </a:fontRef>
+        </p:style>
+        <p:txBody>
+          <a:bodyPr rtlCol="0" anchor="ctr"/>
+          <a:lstStyle/>
+          <a:p>
+            <a:pPr algn="ctr"/>
+            <a:endParaRPr lang="zh-CN" altLang="en-US"/>
+          </a:p>
+        </p:txBody>
+      </p:sp>
+      <p:sp>
+        <p:nvSpPr>
+          <p:cNvPr id="8" name="椭圆 7">
+            <a:extLst>
+              <a:ext uri="{FF2B5EF4-FFF2-40B4-BE49-F238E27FC236}">
+                <a16:creationId xmlns:a16="http://schemas.microsoft.com/office/drawing/2014/main" id="{04CFED81-5C1F-46A0-A322-43988E122457}"/>
+              </a:ext>
+            </a:extLst>
+          </p:cNvPr>
+          <p:cNvSpPr/>
+          <p:nvPr/>
+        </p:nvSpPr>
+        <p:spPr>
+          <a:xfrm>
+            <a:off x="11016551" y="5792990"/>
+            <a:ext cx="231787" cy="231787"/>
+          </a:xfrm>
+          <a:prstGeom prst="ellipse">
+            <a:avLst/>
+          </a:prstGeom>
+          <a:solidFill>
+            <a:srgbClr val="ADDDEB"/>
+          </a:solidFill>
+          <a:ln>
+            <a:noFill/>
+          </a:ln>
+        </p:spPr>
+        <p:style>
+          <a:lnRef idx="2">
+            <a:schemeClr val="accent1">
+              <a:shade val="50000"/>
+            </a:schemeClr>
+          </a:lnRef>
+          <a:fillRef idx="1">
+            <a:schemeClr val="accent1"/>
+          </a:fillRef>
+          <a:effectRef idx="0">
+            <a:schemeClr val="accent1"/>
+          </a:effectRef>
+          <a:fontRef idx="minor">
+            <a:schemeClr val="lt1"/>
+          </a:fontRef>
+        </p:style>
+        <p:txBody>
+          <a:bodyPr rtlCol="0" anchor="ctr"/>
+          <a:lstStyle/>
+          <a:p>
+            <a:pPr algn="ctr"/>
+            <a:endParaRPr lang="zh-CN" altLang="en-US"/>
+          </a:p>
+        </p:txBody>
+      </p:sp>
+      <p:sp>
+        <p:nvSpPr>
+          <p:cNvPr id="15" name="文本框 14">
+            <a:extLst>
+              <a:ext uri="{FF2B5EF4-FFF2-40B4-BE49-F238E27FC236}">
+                <a16:creationId xmlns:a16="http://schemas.microsoft.com/office/drawing/2014/main" id="{19B38779-3E0F-45F1-8E6C-FBFD936CC016}"/>
+              </a:ext>
+            </a:extLst>
+          </p:cNvPr>
+          <p:cNvSpPr txBox="1"/>
+          <p:nvPr/>
+        </p:nvSpPr>
+        <p:spPr>
+          <a:xfrm>
+            <a:off x="1403376" y="1104064"/>
+            <a:ext cx="6711642" cy="830997"/>
+          </a:xfrm>
+          <a:prstGeom prst="rect">
+            <a:avLst/>
+          </a:prstGeom>
+          <a:noFill/>
+        </p:spPr>
+        <p:txBody>
+          <a:bodyPr vert="horz" wrap="square" rtlCol="0">
+            <a:spAutoFit/>
+          </a:bodyPr>
+          <a:lstStyle/>
+          <a:p>
+            <a:r>
+              <a:rPr lang="en-US" altLang="zh-CN" sz="4800" dirty="0">
+                <a:solidFill>
+                  <a:srgbClr val="ADDDEB"/>
+                </a:solidFill>
+                <a:effectLst>
+                  <a:outerShdw blurRad="38100" dist="38100" dir="2700000" algn="tl">
+                    <a:srgbClr val="000000">
+                      <a:alpha val="43137"/>
+                    </a:srgbClr>
+                  </a:outerShdw>
+                </a:effectLst>
+                <a:latin typeface="字魂27号-布丁体" panose="00000500000000000000" pitchFamily="2" charset="-122"/>
+                <a:ea typeface="字魂27号-布丁体" panose="00000500000000000000" pitchFamily="2" charset="-122"/>
+              </a:rPr>
+              <a:t>6 Methods</a:t>
+            </a:r>
+            <a:endParaRPr lang="zh-CN" altLang="en-US" sz="4800" dirty="0">
+              <a:solidFill>
+                <a:srgbClr val="ADDDEB"/>
+              </a:solidFill>
+              <a:effectLst>
+                <a:outerShdw blurRad="38100" dist="38100" dir="2700000" algn="tl">
+                  <a:srgbClr val="000000">
+                    <a:alpha val="43137"/>
+                  </a:srgbClr>
+                </a:outerShdw>
+              </a:effectLst>
+              <a:latin typeface="字魂27号-布丁体" panose="00000500000000000000" pitchFamily="2" charset="-122"/>
+              <a:ea typeface="字魂27号-布丁体" panose="00000500000000000000" pitchFamily="2" charset="-122"/>
+            </a:endParaRPr>
+          </a:p>
+        </p:txBody>
+      </p:sp>
+      <mc:AlternateContent xmlns:mc="http://schemas.openxmlformats.org/markup-compatibility/2006" xmlns:a14="http://schemas.microsoft.com/office/drawing/2010/main">
+        <mc:Choice Requires="a14">
           <p:sp>
             <p:nvSpPr>
               <p:cNvPr id="17" name="文本框 16">
@@ -14441,7 +15291,7 @@
             </p:txBody>
           </p:sp>
         </mc:Choice>
-        <mc:Fallback>
+        <mc:Fallback xmlns="">
           <p:sp>
             <p:nvSpPr>
               <p:cNvPr id="17" name="文本框 16">
@@ -14798,7 +15648,7 @@
 </p:sld>
 </file>
 
-<file path=ppt/slides/slide7.xml><?xml version="1.0" encoding="utf-8"?>
+<file path=ppt/slides/slide8.xml><?xml version="1.0" encoding="utf-8"?>
 <p:sld xmlns:a="http://schemas.openxmlformats.org/drawingml/2006/main" xmlns:r="http://schemas.openxmlformats.org/officeDocument/2006/relationships" xmlns:p="http://schemas.openxmlformats.org/presentationml/2006/main">
   <p:cSld>
     <p:spTree>
@@ -15152,919 +16002,6 @@
         </p:nvSpPr>
         <p:spPr>
           <a:xfrm>
-            <a:off x="1403376" y="1104064"/>
-            <a:ext cx="6711642" cy="830997"/>
-          </a:xfrm>
-          <a:prstGeom prst="rect">
-            <a:avLst/>
-          </a:prstGeom>
-          <a:noFill/>
-        </p:spPr>
-        <p:txBody>
-          <a:bodyPr vert="horz" wrap="square" rtlCol="0">
-            <a:spAutoFit/>
-          </a:bodyPr>
-          <a:lstStyle/>
-          <a:p>
-            <a:r>
-              <a:rPr lang="en-US" altLang="zh-CN" sz="4800" dirty="0">
-                <a:solidFill>
-                  <a:srgbClr val="ADDDEB"/>
-                </a:solidFill>
-                <a:effectLst>
-                  <a:outerShdw blurRad="38100" dist="38100" dir="2700000" algn="tl">
-                    <a:srgbClr val="000000">
-                      <a:alpha val="43137"/>
-                    </a:srgbClr>
-                  </a:outerShdw>
-                </a:effectLst>
-                <a:latin typeface="字魂27号-布丁体" panose="00000500000000000000" pitchFamily="2" charset="-122"/>
-                <a:ea typeface="字魂27号-布丁体" panose="00000500000000000000" pitchFamily="2" charset="-122"/>
-              </a:rPr>
-              <a:t>6 feature engineering</a:t>
-            </a:r>
-            <a:endParaRPr lang="zh-CN" altLang="en-US" sz="4800" dirty="0">
-              <a:solidFill>
-                <a:srgbClr val="ADDDEB"/>
-              </a:solidFill>
-              <a:effectLst>
-                <a:outerShdw blurRad="38100" dist="38100" dir="2700000" algn="tl">
-                  <a:srgbClr val="000000">
-                    <a:alpha val="43137"/>
-                  </a:srgbClr>
-                </a:outerShdw>
-              </a:effectLst>
-              <a:latin typeface="字魂27号-布丁体" panose="00000500000000000000" pitchFamily="2" charset="-122"/>
-              <a:ea typeface="字魂27号-布丁体" panose="00000500000000000000" pitchFamily="2" charset="-122"/>
-            </a:endParaRPr>
-          </a:p>
-        </p:txBody>
-      </p:sp>
-      <p:sp>
-        <p:nvSpPr>
-          <p:cNvPr id="17" name="文本框 16">
-            <a:extLst>
-              <a:ext uri="{FF2B5EF4-FFF2-40B4-BE49-F238E27FC236}">
-                <a16:creationId xmlns:a16="http://schemas.microsoft.com/office/drawing/2014/main" id="{F66EFA57-5254-4371-8012-25BC7A1ED3E9}"/>
-              </a:ext>
-            </a:extLst>
-          </p:cNvPr>
-          <p:cNvSpPr txBox="1"/>
-          <p:nvPr/>
-        </p:nvSpPr>
-        <p:spPr>
-          <a:xfrm>
-            <a:off x="1991813" y="2236924"/>
-            <a:ext cx="8208372" cy="3690562"/>
-          </a:xfrm>
-          <a:prstGeom prst="rect">
-            <a:avLst/>
-          </a:prstGeom>
-          <a:noFill/>
-        </p:spPr>
-        <p:txBody>
-          <a:bodyPr wrap="square" rtlCol="0">
-            <a:spAutoFit/>
-          </a:bodyPr>
-          <a:lstStyle/>
-          <a:p>
-            <a:pPr marL="342900" indent="-342900">
-              <a:lnSpc>
-                <a:spcPct val="150000"/>
-              </a:lnSpc>
-              <a:buFont typeface="Arial" panose="020B0604020202020204" pitchFamily="34" charset="0"/>
-              <a:buChar char="•"/>
-            </a:pPr>
-            <a:r>
-              <a:rPr lang="en-US" altLang="zh-CN" sz="2000" dirty="0">
-                <a:solidFill>
-                  <a:schemeClr val="tx1">
-                    <a:lumMod val="75000"/>
-                    <a:lumOff val="25000"/>
-                  </a:schemeClr>
-                </a:solidFill>
-                <a:latin typeface="Calibri" panose="020F0502020204030204" pitchFamily="34" charset="0"/>
-                <a:ea typeface="字魂58号-创中黑" panose="00000500000000000000" pitchFamily="2" charset="-122"/>
-                <a:cs typeface="Calibri" panose="020F0502020204030204" pitchFamily="34" charset="0"/>
-              </a:rPr>
-              <a:t>First, I used the dataset with “</a:t>
-            </a:r>
-            <a:r>
-              <a:rPr lang="en-US" altLang="zh-CN" sz="2000" dirty="0" err="1">
-                <a:solidFill>
-                  <a:schemeClr val="tx1">
-                    <a:lumMod val="75000"/>
-                    <a:lumOff val="25000"/>
-                  </a:schemeClr>
-                </a:solidFill>
-                <a:latin typeface="Calibri" panose="020F0502020204030204" pitchFamily="34" charset="0"/>
-                <a:ea typeface="字魂58号-创中黑" panose="00000500000000000000" pitchFamily="2" charset="-122"/>
-                <a:cs typeface="Calibri" panose="020F0502020204030204" pitchFamily="34" charset="0"/>
-              </a:rPr>
-              <a:t>resolved_at</a:t>
-            </a:r>
-            <a:r>
-              <a:rPr lang="en-US" altLang="zh-CN" sz="2000" dirty="0">
-                <a:solidFill>
-                  <a:schemeClr val="tx1">
-                    <a:lumMod val="75000"/>
-                    <a:lumOff val="25000"/>
-                  </a:schemeClr>
-                </a:solidFill>
-                <a:latin typeface="Calibri" panose="020F0502020204030204" pitchFamily="34" charset="0"/>
-                <a:ea typeface="字魂58号-创中黑" panose="00000500000000000000" pitchFamily="2" charset="-122"/>
-                <a:cs typeface="Calibri" panose="020F0502020204030204" pitchFamily="34" charset="0"/>
-              </a:rPr>
-              <a:t>” column. The score is about 0.96 but the feature importance showed that “</a:t>
-            </a:r>
-            <a:r>
-              <a:rPr lang="en-US" altLang="zh-CN" sz="2000" dirty="0" err="1">
-                <a:solidFill>
-                  <a:schemeClr val="tx1">
-                    <a:lumMod val="75000"/>
-                    <a:lumOff val="25000"/>
-                  </a:schemeClr>
-                </a:solidFill>
-                <a:latin typeface="Calibri" panose="020F0502020204030204" pitchFamily="34" charset="0"/>
-                <a:ea typeface="字魂58号-创中黑" panose="00000500000000000000" pitchFamily="2" charset="-122"/>
-                <a:cs typeface="Calibri" panose="020F0502020204030204" pitchFamily="34" charset="0"/>
-              </a:rPr>
-              <a:t>resolved_at</a:t>
-            </a:r>
-            <a:r>
-              <a:rPr lang="en-US" altLang="zh-CN" sz="2000" dirty="0">
-                <a:solidFill>
-                  <a:schemeClr val="tx1">
-                    <a:lumMod val="75000"/>
-                    <a:lumOff val="25000"/>
-                  </a:schemeClr>
-                </a:solidFill>
-                <a:latin typeface="Calibri" panose="020F0502020204030204" pitchFamily="34" charset="0"/>
-                <a:ea typeface="字魂58号-创中黑" panose="00000500000000000000" pitchFamily="2" charset="-122"/>
-                <a:cs typeface="Calibri" panose="020F0502020204030204" pitchFamily="34" charset="0"/>
-              </a:rPr>
-              <a:t>” variable is the most important.</a:t>
-            </a:r>
-          </a:p>
-          <a:p>
-            <a:pPr marL="342900" indent="-342900">
-              <a:lnSpc>
-                <a:spcPct val="150000"/>
-              </a:lnSpc>
-              <a:buFont typeface="Arial" panose="020B0604020202020204" pitchFamily="34" charset="0"/>
-              <a:buChar char="•"/>
-            </a:pPr>
-            <a:r>
-              <a:rPr lang="en-US" altLang="zh-CN" sz="2000" dirty="0">
-                <a:solidFill>
-                  <a:schemeClr val="tx1">
-                    <a:lumMod val="75000"/>
-                    <a:lumOff val="25000"/>
-                  </a:schemeClr>
-                </a:solidFill>
-                <a:latin typeface="Calibri" panose="020F0502020204030204" pitchFamily="34" charset="0"/>
-                <a:ea typeface="字魂58号-创中黑" panose="00000500000000000000" pitchFamily="2" charset="-122"/>
-                <a:cs typeface="Calibri" panose="020F0502020204030204" pitchFamily="34" charset="0"/>
-              </a:rPr>
-              <a:t>So, I deleted “</a:t>
-            </a:r>
-            <a:r>
-              <a:rPr lang="en-US" altLang="zh-CN" sz="2000" dirty="0" err="1">
-                <a:solidFill>
-                  <a:schemeClr val="tx1">
-                    <a:lumMod val="75000"/>
-                    <a:lumOff val="25000"/>
-                  </a:schemeClr>
-                </a:solidFill>
-                <a:latin typeface="Calibri" panose="020F0502020204030204" pitchFamily="34" charset="0"/>
-                <a:ea typeface="字魂58号-创中黑" panose="00000500000000000000" pitchFamily="2" charset="-122"/>
-                <a:cs typeface="Calibri" panose="020F0502020204030204" pitchFamily="34" charset="0"/>
-              </a:rPr>
-              <a:t>resolved_at</a:t>
-            </a:r>
-            <a:r>
-              <a:rPr lang="en-US" altLang="zh-CN" sz="2000" dirty="0">
-                <a:solidFill>
-                  <a:schemeClr val="tx1">
-                    <a:lumMod val="75000"/>
-                    <a:lumOff val="25000"/>
-                  </a:schemeClr>
-                </a:solidFill>
-                <a:latin typeface="Calibri" panose="020F0502020204030204" pitchFamily="34" charset="0"/>
-                <a:ea typeface="字魂58号-创中黑" panose="00000500000000000000" pitchFamily="2" charset="-122"/>
-                <a:cs typeface="Calibri" panose="020F0502020204030204" pitchFamily="34" charset="0"/>
-              </a:rPr>
-              <a:t>” column, and build a new random forest model. But the score was about 0.78.</a:t>
-            </a:r>
-          </a:p>
-          <a:p>
-            <a:pPr marL="342900" indent="-342900">
-              <a:lnSpc>
-                <a:spcPct val="150000"/>
-              </a:lnSpc>
-              <a:buFont typeface="Arial" panose="020B0604020202020204" pitchFamily="34" charset="0"/>
-              <a:buChar char="•"/>
-            </a:pPr>
-            <a:r>
-              <a:rPr lang="en-US" altLang="zh-CN" sz="2000" dirty="0">
-                <a:solidFill>
-                  <a:schemeClr val="tx1">
-                    <a:lumMod val="75000"/>
-                    <a:lumOff val="25000"/>
-                  </a:schemeClr>
-                </a:solidFill>
-                <a:latin typeface="Calibri" panose="020F0502020204030204" pitchFamily="34" charset="0"/>
-                <a:ea typeface="字魂58号-创中黑" panose="00000500000000000000" pitchFamily="2" charset="-122"/>
-                <a:cs typeface="Calibri" panose="020F0502020204030204" pitchFamily="34" charset="0"/>
-              </a:rPr>
-              <a:t>Then I deleted all columns whose importance equal 0, and built a new model, then the score increased to 0.96.</a:t>
-            </a:r>
-          </a:p>
-          <a:p>
-            <a:pPr>
-              <a:lnSpc>
-                <a:spcPct val="150000"/>
-              </a:lnSpc>
-            </a:pPr>
-            <a:endParaRPr lang="en-US" altLang="zh-CN" dirty="0">
-              <a:solidFill>
-                <a:schemeClr val="tx1">
-                  <a:lumMod val="75000"/>
-                  <a:lumOff val="25000"/>
-                </a:schemeClr>
-              </a:solidFill>
-              <a:latin typeface="字魂58号-创中黑" panose="00000500000000000000" pitchFamily="2" charset="-122"/>
-              <a:ea typeface="字魂58号-创中黑" panose="00000500000000000000" pitchFamily="2" charset="-122"/>
-            </a:endParaRPr>
-          </a:p>
-        </p:txBody>
-      </p:sp>
-    </p:spTree>
-    <p:extLst>
-      <p:ext uri="{BB962C8B-B14F-4D97-AF65-F5344CB8AC3E}">
-        <p14:creationId xmlns:p14="http://schemas.microsoft.com/office/powerpoint/2010/main" val="2592698645"/>
-      </p:ext>
-    </p:extLst>
-  </p:cSld>
-  <p:clrMapOvr>
-    <a:masterClrMapping/>
-  </p:clrMapOvr>
-  <mc:AlternateContent xmlns:mc="http://schemas.openxmlformats.org/markup-compatibility/2006" xmlns:p14="http://schemas.microsoft.com/office/powerpoint/2010/main">
-    <mc:Choice Requires="p14">
-      <p:transition spd="slow" p14:dur="1500">
-        <p:split orient="vert"/>
-      </p:transition>
-    </mc:Choice>
-    <mc:Fallback xmlns="">
-      <p:transition spd="slow">
-        <p:split orient="vert"/>
-      </p:transition>
-    </mc:Fallback>
-  </mc:AlternateContent>
-  <p:timing>
-    <p:tnLst>
-      <p:par>
-        <p:cTn id="1" dur="indefinite" restart="never" nodeType="tmRoot">
-          <p:childTnLst>
-            <p:seq concurrent="1" nextAc="seek">
-              <p:cTn id="2" dur="indefinite" nodeType="mainSeq">
-                <p:childTnLst>
-                  <p:par>
-                    <p:cTn id="3" fill="hold">
-                      <p:stCondLst>
-                        <p:cond delay="indefinite"/>
-                        <p:cond evt="onBegin" delay="0">
-                          <p:tn val="2"/>
-                        </p:cond>
-                      </p:stCondLst>
-                      <p:childTnLst>
-                        <p:par>
-                          <p:cTn id="4" fill="hold">
-                            <p:stCondLst>
-                              <p:cond delay="0"/>
-                            </p:stCondLst>
-                            <p:childTnLst>
-                              <p:par>
-                                <p:cTn id="5" presetID="10" presetClass="entr" presetSubtype="0" fill="hold" grpId="0" nodeType="withEffect">
-                                  <p:stCondLst>
-                                    <p:cond delay="0"/>
-                                  </p:stCondLst>
-                                  <p:childTnLst>
-                                    <p:set>
-                                      <p:cBhvr>
-                                        <p:cTn id="6" dur="1" fill="hold">
-                                          <p:stCondLst>
-                                            <p:cond delay="0"/>
-                                          </p:stCondLst>
-                                        </p:cTn>
-                                        <p:tgtEl>
-                                          <p:spTgt spid="5"/>
-                                        </p:tgtEl>
-                                        <p:attrNameLst>
-                                          <p:attrName>style.visibility</p:attrName>
-                                        </p:attrNameLst>
-                                      </p:cBhvr>
-                                      <p:to>
-                                        <p:strVal val="visible"/>
-                                      </p:to>
-                                    </p:set>
-                                    <p:animEffect transition="in" filter="fade">
-                                      <p:cBhvr>
-                                        <p:cTn id="7" dur="500"/>
-                                        <p:tgtEl>
-                                          <p:spTgt spid="5"/>
-                                        </p:tgtEl>
-                                      </p:cBhvr>
-                                    </p:animEffect>
-                                  </p:childTnLst>
-                                </p:cTn>
-                              </p:par>
-                              <p:par>
-                                <p:cTn id="8" presetID="10" presetClass="entr" presetSubtype="0" fill="hold" grpId="0" nodeType="withEffect">
-                                  <p:stCondLst>
-                                    <p:cond delay="0"/>
-                                  </p:stCondLst>
-                                  <p:childTnLst>
-                                    <p:set>
-                                      <p:cBhvr>
-                                        <p:cTn id="9" dur="1" fill="hold">
-                                          <p:stCondLst>
-                                            <p:cond delay="0"/>
-                                          </p:stCondLst>
-                                        </p:cTn>
-                                        <p:tgtEl>
-                                          <p:spTgt spid="6"/>
-                                        </p:tgtEl>
-                                        <p:attrNameLst>
-                                          <p:attrName>style.visibility</p:attrName>
-                                        </p:attrNameLst>
-                                      </p:cBhvr>
-                                      <p:to>
-                                        <p:strVal val="visible"/>
-                                      </p:to>
-                                    </p:set>
-                                    <p:animEffect transition="in" filter="fade">
-                                      <p:cBhvr>
-                                        <p:cTn id="10" dur="500"/>
-                                        <p:tgtEl>
-                                          <p:spTgt spid="6"/>
-                                        </p:tgtEl>
-                                      </p:cBhvr>
-                                    </p:animEffect>
-                                  </p:childTnLst>
-                                </p:cTn>
-                              </p:par>
-                              <p:par>
-                                <p:cTn id="11" presetID="10" presetClass="entr" presetSubtype="0" fill="hold" grpId="0" nodeType="withEffect">
-                                  <p:stCondLst>
-                                    <p:cond delay="0"/>
-                                  </p:stCondLst>
-                                  <p:childTnLst>
-                                    <p:set>
-                                      <p:cBhvr>
-                                        <p:cTn id="12" dur="1" fill="hold">
-                                          <p:stCondLst>
-                                            <p:cond delay="0"/>
-                                          </p:stCondLst>
-                                        </p:cTn>
-                                        <p:tgtEl>
-                                          <p:spTgt spid="7"/>
-                                        </p:tgtEl>
-                                        <p:attrNameLst>
-                                          <p:attrName>style.visibility</p:attrName>
-                                        </p:attrNameLst>
-                                      </p:cBhvr>
-                                      <p:to>
-                                        <p:strVal val="visible"/>
-                                      </p:to>
-                                    </p:set>
-                                    <p:animEffect transition="in" filter="fade">
-                                      <p:cBhvr>
-                                        <p:cTn id="13" dur="500"/>
-                                        <p:tgtEl>
-                                          <p:spTgt spid="7"/>
-                                        </p:tgtEl>
-                                      </p:cBhvr>
-                                    </p:animEffect>
-                                  </p:childTnLst>
-                                </p:cTn>
-                              </p:par>
-                              <p:par>
-                                <p:cTn id="14" presetID="10" presetClass="entr" presetSubtype="0" fill="hold" grpId="0" nodeType="withEffect">
-                                  <p:stCondLst>
-                                    <p:cond delay="0"/>
-                                  </p:stCondLst>
-                                  <p:childTnLst>
-                                    <p:set>
-                                      <p:cBhvr>
-                                        <p:cTn id="15" dur="1" fill="hold">
-                                          <p:stCondLst>
-                                            <p:cond delay="0"/>
-                                          </p:stCondLst>
-                                        </p:cTn>
-                                        <p:tgtEl>
-                                          <p:spTgt spid="8"/>
-                                        </p:tgtEl>
-                                        <p:attrNameLst>
-                                          <p:attrName>style.visibility</p:attrName>
-                                        </p:attrNameLst>
-                                      </p:cBhvr>
-                                      <p:to>
-                                        <p:strVal val="visible"/>
-                                      </p:to>
-                                    </p:set>
-                                    <p:animEffect transition="in" filter="fade">
-                                      <p:cBhvr>
-                                        <p:cTn id="16" dur="500"/>
-                                        <p:tgtEl>
-                                          <p:spTgt spid="8"/>
-                                        </p:tgtEl>
-                                      </p:cBhvr>
-                                    </p:animEffect>
-                                  </p:childTnLst>
-                                </p:cTn>
-                              </p:par>
-                            </p:childTnLst>
-                          </p:cTn>
-                        </p:par>
-                        <p:par>
-                          <p:cTn id="17" fill="hold">
-                            <p:stCondLst>
-                              <p:cond delay="500"/>
-                            </p:stCondLst>
-                            <p:childTnLst>
-                              <p:par>
-                                <p:cTn id="18" presetID="22" presetClass="entr" presetSubtype="8" fill="hold" grpId="0" nodeType="afterEffect">
-                                  <p:stCondLst>
-                                    <p:cond delay="0"/>
-                                  </p:stCondLst>
-                                  <p:childTnLst>
-                                    <p:set>
-                                      <p:cBhvr>
-                                        <p:cTn id="19" dur="1" fill="hold">
-                                          <p:stCondLst>
-                                            <p:cond delay="0"/>
-                                          </p:stCondLst>
-                                        </p:cTn>
-                                        <p:tgtEl>
-                                          <p:spTgt spid="15"/>
-                                        </p:tgtEl>
-                                        <p:attrNameLst>
-                                          <p:attrName>style.visibility</p:attrName>
-                                        </p:attrNameLst>
-                                      </p:cBhvr>
-                                      <p:to>
-                                        <p:strVal val="visible"/>
-                                      </p:to>
-                                    </p:set>
-                                    <p:animEffect transition="in" filter="wipe(left)">
-                                      <p:cBhvr>
-                                        <p:cTn id="20" dur="500"/>
-                                        <p:tgtEl>
-                                          <p:spTgt spid="15"/>
-                                        </p:tgtEl>
-                                      </p:cBhvr>
-                                    </p:animEffect>
-                                  </p:childTnLst>
-                                </p:cTn>
-                              </p:par>
-                            </p:childTnLst>
-                          </p:cTn>
-                        </p:par>
-                        <p:par>
-                          <p:cTn id="21" fill="hold">
-                            <p:stCondLst>
-                              <p:cond delay="1000"/>
-                            </p:stCondLst>
-                            <p:childTnLst>
-                              <p:par>
-                                <p:cTn id="22" presetID="22" presetClass="entr" presetSubtype="8" fill="hold" grpId="0" nodeType="afterEffect">
-                                  <p:stCondLst>
-                                    <p:cond delay="0"/>
-                                  </p:stCondLst>
-                                  <p:childTnLst>
-                                    <p:set>
-                                      <p:cBhvr>
-                                        <p:cTn id="23" dur="1" fill="hold">
-                                          <p:stCondLst>
-                                            <p:cond delay="0"/>
-                                          </p:stCondLst>
-                                        </p:cTn>
-                                        <p:tgtEl>
-                                          <p:spTgt spid="17"/>
-                                        </p:tgtEl>
-                                        <p:attrNameLst>
-                                          <p:attrName>style.visibility</p:attrName>
-                                        </p:attrNameLst>
-                                      </p:cBhvr>
-                                      <p:to>
-                                        <p:strVal val="visible"/>
-                                      </p:to>
-                                    </p:set>
-                                    <p:animEffect transition="in" filter="wipe(left)">
-                                      <p:cBhvr>
-                                        <p:cTn id="24" dur="500"/>
-                                        <p:tgtEl>
-                                          <p:spTgt spid="17"/>
-                                        </p:tgtEl>
-                                      </p:cBhvr>
-                                    </p:animEffect>
-                                  </p:childTnLst>
-                                </p:cTn>
-                              </p:par>
-                            </p:childTnLst>
-                          </p:cTn>
-                        </p:par>
-                      </p:childTnLst>
-                    </p:cTn>
-                  </p:par>
-                </p:childTnLst>
-              </p:cTn>
-              <p:prevCondLst>
-                <p:cond evt="onPrev" delay="0">
-                  <p:tgtEl>
-                    <p:sldTgt/>
-                  </p:tgtEl>
-                </p:cond>
-              </p:prevCondLst>
-              <p:nextCondLst>
-                <p:cond evt="onNext" delay="0">
-                  <p:tgtEl>
-                    <p:sldTgt/>
-                  </p:tgtEl>
-                </p:cond>
-              </p:nextCondLst>
-            </p:seq>
-          </p:childTnLst>
-        </p:cTn>
-      </p:par>
-    </p:tnLst>
-    <p:bldLst>
-      <p:bldP spid="5" grpId="0" animBg="1"/>
-      <p:bldP spid="6" grpId="0" animBg="1"/>
-      <p:bldP spid="7" grpId="0" animBg="1"/>
-      <p:bldP spid="8" grpId="0" animBg="1"/>
-      <p:bldP spid="15" grpId="0"/>
-      <p:bldP spid="17" grpId="0"/>
-    </p:bldLst>
-  </p:timing>
-</p:sld>
-</file>
-
-<file path=ppt/slides/slide8.xml><?xml version="1.0" encoding="utf-8"?>
-<p:sld xmlns:a="http://schemas.openxmlformats.org/drawingml/2006/main" xmlns:r="http://schemas.openxmlformats.org/officeDocument/2006/relationships" xmlns:p="http://schemas.openxmlformats.org/presentationml/2006/main">
-  <p:cSld>
-    <p:spTree>
-      <p:nvGrpSpPr>
-        <p:cNvPr id="1" name=""/>
-        <p:cNvGrpSpPr/>
-        <p:nvPr/>
-      </p:nvGrpSpPr>
-      <p:grpSpPr>
-        <a:xfrm>
-          <a:off x="0" y="0"/>
-          <a:ext cx="0" cy="0"/>
-          <a:chOff x="0" y="0"/>
-          <a:chExt cx="0" cy="0"/>
-        </a:xfrm>
-      </p:grpSpPr>
-      <p:sp>
-        <p:nvSpPr>
-          <p:cNvPr id="2" name="矩形 1">
-            <a:extLst>
-              <a:ext uri="{FF2B5EF4-FFF2-40B4-BE49-F238E27FC236}">
-                <a16:creationId xmlns:a16="http://schemas.microsoft.com/office/drawing/2014/main" id="{1FC8256A-141F-4AA0-91DF-9B669381FF0F}"/>
-              </a:ext>
-            </a:extLst>
-          </p:cNvPr>
-          <p:cNvSpPr/>
-          <p:nvPr/>
-        </p:nvSpPr>
-        <p:spPr>
-          <a:xfrm>
-            <a:off x="-17252" y="1246"/>
-            <a:ext cx="7218152" cy="6858000"/>
-          </a:xfrm>
-          <a:prstGeom prst="rect">
-            <a:avLst/>
-          </a:prstGeom>
-          <a:solidFill>
-            <a:srgbClr val="ADDDEB"/>
-          </a:solidFill>
-          <a:ln>
-            <a:noFill/>
-          </a:ln>
-        </p:spPr>
-        <p:style>
-          <a:lnRef idx="2">
-            <a:schemeClr val="accent1">
-              <a:shade val="50000"/>
-            </a:schemeClr>
-          </a:lnRef>
-          <a:fillRef idx="1">
-            <a:schemeClr val="accent1"/>
-          </a:fillRef>
-          <a:effectRef idx="0">
-            <a:schemeClr val="accent1"/>
-          </a:effectRef>
-          <a:fontRef idx="minor">
-            <a:schemeClr val="lt1"/>
-          </a:fontRef>
-        </p:style>
-        <p:txBody>
-          <a:bodyPr rtlCol="0" anchor="ctr"/>
-          <a:lstStyle/>
-          <a:p>
-            <a:pPr algn="ctr"/>
-            <a:endParaRPr lang="zh-CN" altLang="en-US"/>
-          </a:p>
-        </p:txBody>
-      </p:sp>
-      <p:sp>
-        <p:nvSpPr>
-          <p:cNvPr id="4" name="矩形: 圆角 3">
-            <a:extLst>
-              <a:ext uri="{FF2B5EF4-FFF2-40B4-BE49-F238E27FC236}">
-                <a16:creationId xmlns:a16="http://schemas.microsoft.com/office/drawing/2014/main" id="{466571E5-95D8-47E4-9066-10D201D95179}"/>
-              </a:ext>
-            </a:extLst>
-          </p:cNvPr>
-          <p:cNvSpPr/>
-          <p:nvPr/>
-        </p:nvSpPr>
-        <p:spPr>
-          <a:xfrm>
-            <a:off x="715735" y="628650"/>
-            <a:ext cx="10760529" cy="5600700"/>
-          </a:xfrm>
-          <a:prstGeom prst="roundRect">
-            <a:avLst>
-              <a:gd name="adj" fmla="val 5005"/>
-            </a:avLst>
-          </a:prstGeom>
-          <a:solidFill>
-            <a:schemeClr val="bg1"/>
-          </a:solidFill>
-          <a:ln>
-            <a:noFill/>
-          </a:ln>
-          <a:effectLst>
-            <a:outerShdw blurRad="114300" dist="12700" sx="102000" sy="102000" algn="ctr" rotWithShape="0">
-              <a:schemeClr val="tx1">
-                <a:lumMod val="65000"/>
-                <a:lumOff val="35000"/>
-                <a:alpha val="36000"/>
-              </a:schemeClr>
-            </a:outerShdw>
-          </a:effectLst>
-        </p:spPr>
-        <p:style>
-          <a:lnRef idx="2">
-            <a:schemeClr val="accent1">
-              <a:shade val="50000"/>
-            </a:schemeClr>
-          </a:lnRef>
-          <a:fillRef idx="1">
-            <a:schemeClr val="accent1"/>
-          </a:fillRef>
-          <a:effectRef idx="0">
-            <a:schemeClr val="accent1"/>
-          </a:effectRef>
-          <a:fontRef idx="minor">
-            <a:schemeClr val="lt1"/>
-          </a:fontRef>
-        </p:style>
-        <p:txBody>
-          <a:bodyPr rtlCol="0" anchor="ctr"/>
-          <a:lstStyle/>
-          <a:p>
-            <a:pPr algn="ctr"/>
-            <a:endParaRPr lang="zh-CN" altLang="en-US"/>
-          </a:p>
-        </p:txBody>
-      </p:sp>
-      <p:sp>
-        <p:nvSpPr>
-          <p:cNvPr id="5" name="椭圆 4">
-            <a:extLst>
-              <a:ext uri="{FF2B5EF4-FFF2-40B4-BE49-F238E27FC236}">
-                <a16:creationId xmlns:a16="http://schemas.microsoft.com/office/drawing/2014/main" id="{D2C064BC-4F19-4498-9B8A-AAB5B911457D}"/>
-              </a:ext>
-            </a:extLst>
-          </p:cNvPr>
-          <p:cNvSpPr/>
-          <p:nvPr/>
-        </p:nvSpPr>
-        <p:spPr>
-          <a:xfrm>
-            <a:off x="943662" y="833223"/>
-            <a:ext cx="231787" cy="231787"/>
-          </a:xfrm>
-          <a:prstGeom prst="ellipse">
-            <a:avLst/>
-          </a:prstGeom>
-          <a:solidFill>
-            <a:srgbClr val="F6E2E3"/>
-          </a:solidFill>
-          <a:ln>
-            <a:noFill/>
-          </a:ln>
-        </p:spPr>
-        <p:style>
-          <a:lnRef idx="2">
-            <a:schemeClr val="accent1">
-              <a:shade val="50000"/>
-            </a:schemeClr>
-          </a:lnRef>
-          <a:fillRef idx="1">
-            <a:schemeClr val="accent1"/>
-          </a:fillRef>
-          <a:effectRef idx="0">
-            <a:schemeClr val="accent1"/>
-          </a:effectRef>
-          <a:fontRef idx="minor">
-            <a:schemeClr val="lt1"/>
-          </a:fontRef>
-        </p:style>
-        <p:txBody>
-          <a:bodyPr rtlCol="0" anchor="ctr"/>
-          <a:lstStyle/>
-          <a:p>
-            <a:pPr algn="ctr"/>
-            <a:endParaRPr lang="zh-CN" altLang="en-US"/>
-          </a:p>
-        </p:txBody>
-      </p:sp>
-      <p:sp>
-        <p:nvSpPr>
-          <p:cNvPr id="6" name="椭圆 5">
-            <a:extLst>
-              <a:ext uri="{FF2B5EF4-FFF2-40B4-BE49-F238E27FC236}">
-                <a16:creationId xmlns:a16="http://schemas.microsoft.com/office/drawing/2014/main" id="{BB29152F-73C0-4E1F-B79E-F71641D304C4}"/>
-              </a:ext>
-            </a:extLst>
-          </p:cNvPr>
-          <p:cNvSpPr/>
-          <p:nvPr/>
-        </p:nvSpPr>
-        <p:spPr>
-          <a:xfrm>
-            <a:off x="11016551" y="833223"/>
-            <a:ext cx="231787" cy="231787"/>
-          </a:xfrm>
-          <a:prstGeom prst="ellipse">
-            <a:avLst/>
-          </a:prstGeom>
-          <a:solidFill>
-            <a:srgbClr val="ADDDEB"/>
-          </a:solidFill>
-          <a:ln>
-            <a:noFill/>
-          </a:ln>
-        </p:spPr>
-        <p:style>
-          <a:lnRef idx="2">
-            <a:schemeClr val="accent1">
-              <a:shade val="50000"/>
-            </a:schemeClr>
-          </a:lnRef>
-          <a:fillRef idx="1">
-            <a:schemeClr val="accent1"/>
-          </a:fillRef>
-          <a:effectRef idx="0">
-            <a:schemeClr val="accent1"/>
-          </a:effectRef>
-          <a:fontRef idx="minor">
-            <a:schemeClr val="lt1"/>
-          </a:fontRef>
-        </p:style>
-        <p:txBody>
-          <a:bodyPr rtlCol="0" anchor="ctr"/>
-          <a:lstStyle/>
-          <a:p>
-            <a:pPr algn="ctr"/>
-            <a:endParaRPr lang="zh-CN" altLang="en-US"/>
-          </a:p>
-        </p:txBody>
-      </p:sp>
-      <p:sp>
-        <p:nvSpPr>
-          <p:cNvPr id="7" name="椭圆 6">
-            <a:extLst>
-              <a:ext uri="{FF2B5EF4-FFF2-40B4-BE49-F238E27FC236}">
-                <a16:creationId xmlns:a16="http://schemas.microsoft.com/office/drawing/2014/main" id="{4C0AD194-29E0-4A8E-8ECF-ED9C8CCE5ACD}"/>
-              </a:ext>
-            </a:extLst>
-          </p:cNvPr>
-          <p:cNvSpPr/>
-          <p:nvPr/>
-        </p:nvSpPr>
-        <p:spPr>
-          <a:xfrm>
-            <a:off x="943662" y="5792990"/>
-            <a:ext cx="231787" cy="231787"/>
-          </a:xfrm>
-          <a:prstGeom prst="ellipse">
-            <a:avLst/>
-          </a:prstGeom>
-          <a:solidFill>
-            <a:srgbClr val="F6E2E3"/>
-          </a:solidFill>
-          <a:ln>
-            <a:noFill/>
-          </a:ln>
-        </p:spPr>
-        <p:style>
-          <a:lnRef idx="2">
-            <a:schemeClr val="accent1">
-              <a:shade val="50000"/>
-            </a:schemeClr>
-          </a:lnRef>
-          <a:fillRef idx="1">
-            <a:schemeClr val="accent1"/>
-          </a:fillRef>
-          <a:effectRef idx="0">
-            <a:schemeClr val="accent1"/>
-          </a:effectRef>
-          <a:fontRef idx="minor">
-            <a:schemeClr val="lt1"/>
-          </a:fontRef>
-        </p:style>
-        <p:txBody>
-          <a:bodyPr rtlCol="0" anchor="ctr"/>
-          <a:lstStyle/>
-          <a:p>
-            <a:pPr algn="ctr"/>
-            <a:endParaRPr lang="zh-CN" altLang="en-US"/>
-          </a:p>
-        </p:txBody>
-      </p:sp>
-      <p:sp>
-        <p:nvSpPr>
-          <p:cNvPr id="8" name="椭圆 7">
-            <a:extLst>
-              <a:ext uri="{FF2B5EF4-FFF2-40B4-BE49-F238E27FC236}">
-                <a16:creationId xmlns:a16="http://schemas.microsoft.com/office/drawing/2014/main" id="{04CFED81-5C1F-46A0-A322-43988E122457}"/>
-              </a:ext>
-            </a:extLst>
-          </p:cNvPr>
-          <p:cNvSpPr/>
-          <p:nvPr/>
-        </p:nvSpPr>
-        <p:spPr>
-          <a:xfrm>
-            <a:off x="11016551" y="5792990"/>
-            <a:ext cx="231787" cy="231787"/>
-          </a:xfrm>
-          <a:prstGeom prst="ellipse">
-            <a:avLst/>
-          </a:prstGeom>
-          <a:solidFill>
-            <a:srgbClr val="ADDDEB"/>
-          </a:solidFill>
-          <a:ln>
-            <a:noFill/>
-          </a:ln>
-        </p:spPr>
-        <p:style>
-          <a:lnRef idx="2">
-            <a:schemeClr val="accent1">
-              <a:shade val="50000"/>
-            </a:schemeClr>
-          </a:lnRef>
-          <a:fillRef idx="1">
-            <a:schemeClr val="accent1"/>
-          </a:fillRef>
-          <a:effectRef idx="0">
-            <a:schemeClr val="accent1"/>
-          </a:effectRef>
-          <a:fontRef idx="minor">
-            <a:schemeClr val="lt1"/>
-          </a:fontRef>
-        </p:style>
-        <p:txBody>
-          <a:bodyPr rtlCol="0" anchor="ctr"/>
-          <a:lstStyle/>
-          <a:p>
-            <a:pPr algn="ctr"/>
-            <a:endParaRPr lang="zh-CN" altLang="en-US"/>
-          </a:p>
-        </p:txBody>
-      </p:sp>
-      <p:sp>
-        <p:nvSpPr>
-          <p:cNvPr id="15" name="文本框 14">
-            <a:extLst>
-              <a:ext uri="{FF2B5EF4-FFF2-40B4-BE49-F238E27FC236}">
-                <a16:creationId xmlns:a16="http://schemas.microsoft.com/office/drawing/2014/main" id="{19B38779-3E0F-45F1-8E6C-FBFD936CC016}"/>
-              </a:ext>
-            </a:extLst>
-          </p:cNvPr>
-          <p:cNvSpPr txBox="1"/>
-          <p:nvPr/>
-        </p:nvSpPr>
-        <p:spPr>
-          <a:xfrm>
             <a:off x="1324303" y="1104064"/>
             <a:ext cx="6790715" cy="707886"/>
           </a:xfrm>
@@ -16094,7 +16031,7 @@
                 <a:latin typeface="字魂27号-布丁体" panose="00000500000000000000" pitchFamily="2" charset="-122"/>
                 <a:ea typeface="字魂27号-布丁体" panose="00000500000000000000" pitchFamily="2" charset="-122"/>
               </a:rPr>
-              <a:t>7 feature importance</a:t>
+              <a:t>7 result</a:t>
             </a:r>
             <a:endParaRPr lang="zh-CN" altLang="en-US" sz="4000" dirty="0">
               <a:solidFill>
@@ -16115,10 +16052,10 @@
       </p:sp>
       <p:pic>
         <p:nvPicPr>
-          <p:cNvPr id="11" name="图片 10" descr="手机屏幕截图&#10;&#10;描述已自动生成">
-            <a:extLst>
-              <a:ext uri="{FF2B5EF4-FFF2-40B4-BE49-F238E27FC236}">
-                <a16:creationId xmlns:a16="http://schemas.microsoft.com/office/drawing/2014/main" id="{AB4F777E-9DA5-5B48-852B-4F88A0ADAE44}"/>
+          <p:cNvPr id="9" name="图片 8" descr="手机屏幕截图&#10;&#10;描述已自动生成">
+            <a:extLst>
+              <a:ext uri="{FF2B5EF4-FFF2-40B4-BE49-F238E27FC236}">
+                <a16:creationId xmlns:a16="http://schemas.microsoft.com/office/drawing/2014/main" id="{0E8E8B6D-D1AF-3246-A59B-EC13E744C5A0}"/>
               </a:ext>
             </a:extLst>
           </p:cNvPr>
@@ -16141,20 +16078,76 @@
         </p:blipFill>
         <p:spPr>
           <a:xfrm>
-            <a:off x="1437214" y="2014270"/>
-            <a:ext cx="7372711" cy="3440599"/>
+            <a:off x="4107592" y="3992596"/>
+            <a:ext cx="7024852" cy="1800394"/>
           </a:xfrm>
           <a:prstGeom prst="rect">
             <a:avLst/>
           </a:prstGeom>
         </p:spPr>
       </p:pic>
+      <p:sp>
+        <p:nvSpPr>
+          <p:cNvPr id="10" name="文本框 9">
+            <a:extLst>
+              <a:ext uri="{FF2B5EF4-FFF2-40B4-BE49-F238E27FC236}">
+                <a16:creationId xmlns:a16="http://schemas.microsoft.com/office/drawing/2014/main" id="{78412F06-E793-0B41-8BF4-BEC3700858D3}"/>
+              </a:ext>
+            </a:extLst>
+          </p:cNvPr>
+          <p:cNvSpPr txBox="1"/>
+          <p:nvPr/>
+        </p:nvSpPr>
+        <p:spPr>
+          <a:xfrm>
+            <a:off x="1513490" y="3867806"/>
+            <a:ext cx="2250280" cy="707886"/>
+          </a:xfrm>
+          <a:prstGeom prst="rect">
+            <a:avLst/>
+          </a:prstGeom>
+          <a:noFill/>
+        </p:spPr>
+        <p:txBody>
+          <a:bodyPr wrap="square" rtlCol="0">
+            <a:spAutoFit/>
+          </a:bodyPr>
+          <a:lstStyle/>
+          <a:p>
+            <a:r>
+              <a:rPr lang="en-GB" sz="2000" dirty="0">
+                <a:latin typeface="Calibri Light" panose="020F0302020204030204" pitchFamily="34" charset="0"/>
+                <a:cs typeface="Calibri Light" panose="020F0302020204030204" pitchFamily="34" charset="0"/>
+              </a:rPr>
+              <a:t>Result</a:t>
+            </a:r>
+            <a:r>
+              <a:rPr lang="zh-CN" altLang="en-US" sz="2000" dirty="0">
+                <a:latin typeface="Calibri Light" panose="020F0302020204030204" pitchFamily="34" charset="0"/>
+                <a:cs typeface="Calibri Light" panose="020F0302020204030204" pitchFamily="34" charset="0"/>
+              </a:rPr>
+              <a:t> </a:t>
+            </a:r>
+            <a:r>
+              <a:rPr lang="en-US" altLang="zh-CN" sz="2000" dirty="0">
+                <a:latin typeface="Calibri Light" panose="020F0302020204030204" pitchFamily="34" charset="0"/>
+                <a:cs typeface="Calibri Light" panose="020F0302020204030204" pitchFamily="34" charset="0"/>
+              </a:rPr>
+              <a:t>with feature engineering</a:t>
+            </a:r>
+            <a:endParaRPr lang="en-GB" sz="2000" dirty="0">
+              <a:latin typeface="Calibri Light" panose="020F0302020204030204" pitchFamily="34" charset="0"/>
+              <a:cs typeface="Calibri Light" panose="020F0302020204030204" pitchFamily="34" charset="0"/>
+            </a:endParaRPr>
+          </a:p>
+        </p:txBody>
+      </p:sp>
       <p:pic>
         <p:nvPicPr>
           <p:cNvPr id="13" name="图片 12" descr="手机屏幕截图&#10;&#10;描述已自动生成">
             <a:extLst>
               <a:ext uri="{FF2B5EF4-FFF2-40B4-BE49-F238E27FC236}">
-                <a16:creationId xmlns:a16="http://schemas.microsoft.com/office/drawing/2014/main" id="{FE0B7046-4BC2-A544-ACC0-F20C815D5A86}"/>
+                <a16:creationId xmlns:a16="http://schemas.microsoft.com/office/drawing/2014/main" id="{97F02627-196E-0D4B-98AE-6AFFB2B86BE0}"/>
               </a:ext>
             </a:extLst>
           </p:cNvPr>
@@ -16177,8 +16170,8 @@
         </p:blipFill>
         <p:spPr>
           <a:xfrm>
-            <a:off x="9254686" y="2553469"/>
-            <a:ext cx="1079500" cy="2362200"/>
+            <a:off x="4107591" y="1968541"/>
+            <a:ext cx="7024853" cy="1809756"/>
           </a:xfrm>
           <a:prstGeom prst="rect">
             <a:avLst/>
@@ -16187,10 +16180,10 @@
       </p:pic>
       <p:sp>
         <p:nvSpPr>
-          <p:cNvPr id="3" name="文本框 2">
-            <a:extLst>
-              <a:ext uri="{FF2B5EF4-FFF2-40B4-BE49-F238E27FC236}">
-                <a16:creationId xmlns:a16="http://schemas.microsoft.com/office/drawing/2014/main" id="{AC32648E-9D56-B84A-9D4A-A64981B6DF35}"/>
+          <p:cNvPr id="16" name="文本框 15">
+            <a:extLst>
+              <a:ext uri="{FF2B5EF4-FFF2-40B4-BE49-F238E27FC236}">
+                <a16:creationId xmlns:a16="http://schemas.microsoft.com/office/drawing/2014/main" id="{AAA30856-C87E-FC40-AC00-E22184FD6FC4}"/>
               </a:ext>
             </a:extLst>
           </p:cNvPr>
@@ -16199,8 +16192,8 @@
         </p:nvSpPr>
         <p:spPr>
           <a:xfrm>
-            <a:off x="8692054" y="2014270"/>
-            <a:ext cx="2556283" cy="369332"/>
+            <a:off x="1513489" y="1851004"/>
+            <a:ext cx="2250281" cy="707886"/>
           </a:xfrm>
           <a:prstGeom prst="rect">
             <a:avLst/>
@@ -16214,19 +16207,37 @@
           <a:lstStyle/>
           <a:p>
             <a:r>
-              <a:rPr lang="en-GB" dirty="0">
+              <a:rPr lang="en-GB" sz="2000" dirty="0">
                 <a:latin typeface="Calibri Light" panose="020F0302020204030204" pitchFamily="34" charset="0"/>
                 <a:cs typeface="Calibri Light" panose="020F0302020204030204" pitchFamily="34" charset="0"/>
               </a:rPr>
-              <a:t>Final chosen variables:</a:t>
+              <a:t>Result</a:t>
             </a:r>
+            <a:r>
+              <a:rPr lang="zh-CN" altLang="en-US" sz="2000" dirty="0">
+                <a:latin typeface="Calibri Light" panose="020F0302020204030204" pitchFamily="34" charset="0"/>
+                <a:cs typeface="Calibri Light" panose="020F0302020204030204" pitchFamily="34" charset="0"/>
+              </a:rPr>
+              <a:t> </a:t>
+            </a:r>
+            <a:r>
+              <a:rPr lang="en-US" altLang="zh-CN" sz="2000" dirty="0">
+                <a:latin typeface="Calibri Light" panose="020F0302020204030204" pitchFamily="34" charset="0"/>
+                <a:cs typeface="Calibri Light" panose="020F0302020204030204" pitchFamily="34" charset="0"/>
+              </a:rPr>
+              <a:t>without feature engineering</a:t>
+            </a:r>
+            <a:endParaRPr lang="en-GB" sz="2000" dirty="0">
+              <a:latin typeface="Calibri Light" panose="020F0302020204030204" pitchFamily="34" charset="0"/>
+              <a:cs typeface="Calibri Light" panose="020F0302020204030204" pitchFamily="34" charset="0"/>
+            </a:endParaRPr>
           </a:p>
         </p:txBody>
       </p:sp>
     </p:spTree>
     <p:extLst>
       <p:ext uri="{BB962C8B-B14F-4D97-AF65-F5344CB8AC3E}">
-        <p14:creationId xmlns:p14="http://schemas.microsoft.com/office/powerpoint/2010/main" val="1980182298"/>
+        <p14:creationId xmlns:p14="http://schemas.microsoft.com/office/powerpoint/2010/main" val="1626641486"/>
       </p:ext>
     </p:extLst>
   </p:cSld>
@@ -16873,7 +16884,7 @@
                 <a:latin typeface="字魂27号-布丁体" panose="00000500000000000000" pitchFamily="2" charset="-122"/>
                 <a:ea typeface="字魂27号-布丁体" panose="00000500000000000000" pitchFamily="2" charset="-122"/>
               </a:rPr>
-              <a:t>8 result</a:t>
+              <a:t>8 feature importance</a:t>
             </a:r>
             <a:endParaRPr lang="zh-CN" altLang="en-US" sz="4000" dirty="0">
               <a:solidFill>
@@ -16894,10 +16905,10 @@
       </p:sp>
       <p:pic>
         <p:nvPicPr>
-          <p:cNvPr id="9" name="图片 8" descr="手机屏幕截图&#10;&#10;描述已自动生成">
-            <a:extLst>
-              <a:ext uri="{FF2B5EF4-FFF2-40B4-BE49-F238E27FC236}">
-                <a16:creationId xmlns:a16="http://schemas.microsoft.com/office/drawing/2014/main" id="{0E8E8B6D-D1AF-3246-A59B-EC13E744C5A0}"/>
+          <p:cNvPr id="11" name="图片 10" descr="手机屏幕截图&#10;&#10;描述已自动生成">
+            <a:extLst>
+              <a:ext uri="{FF2B5EF4-FFF2-40B4-BE49-F238E27FC236}">
+                <a16:creationId xmlns:a16="http://schemas.microsoft.com/office/drawing/2014/main" id="{AB4F777E-9DA5-5B48-852B-4F88A0ADAE44}"/>
               </a:ext>
             </a:extLst>
           </p:cNvPr>
@@ -16920,8 +16931,8 @@
         </p:blipFill>
         <p:spPr>
           <a:xfrm>
-            <a:off x="4107592" y="3992596"/>
-            <a:ext cx="7024852" cy="1800394"/>
+            <a:off x="1437214" y="2014270"/>
+            <a:ext cx="7372711" cy="3440599"/>
           </a:xfrm>
           <a:prstGeom prst="rect">
             <a:avLst/>
@@ -16930,10 +16941,10 @@
       </p:pic>
       <p:sp>
         <p:nvSpPr>
-          <p:cNvPr id="10" name="文本框 9">
-            <a:extLst>
-              <a:ext uri="{FF2B5EF4-FFF2-40B4-BE49-F238E27FC236}">
-                <a16:creationId xmlns:a16="http://schemas.microsoft.com/office/drawing/2014/main" id="{78412F06-E793-0B41-8BF4-BEC3700858D3}"/>
+          <p:cNvPr id="3" name="文本框 2">
+            <a:extLst>
+              <a:ext uri="{FF2B5EF4-FFF2-40B4-BE49-F238E27FC236}">
+                <a16:creationId xmlns:a16="http://schemas.microsoft.com/office/drawing/2014/main" id="{AC32648E-9D56-B84A-9D4A-A64981B6DF35}"/>
               </a:ext>
             </a:extLst>
           </p:cNvPr>
@@ -16942,8 +16953,8 @@
         </p:nvSpPr>
         <p:spPr>
           <a:xfrm>
-            <a:off x="1513490" y="3867806"/>
-            <a:ext cx="2250280" cy="707886"/>
+            <a:off x="8692054" y="2014270"/>
+            <a:ext cx="2556283" cy="369332"/>
           </a:xfrm>
           <a:prstGeom prst="rect">
             <a:avLst/>
@@ -16957,39 +16968,21 @@
           <a:lstStyle/>
           <a:p>
             <a:r>
-              <a:rPr lang="en-GB" sz="2000" dirty="0">
+              <a:rPr lang="en-GB" dirty="0">
                 <a:latin typeface="Calibri Light" panose="020F0302020204030204" pitchFamily="34" charset="0"/>
                 <a:cs typeface="Calibri Light" panose="020F0302020204030204" pitchFamily="34" charset="0"/>
               </a:rPr>
-              <a:t>Result</a:t>
+              <a:t>Final chosen variables:</a:t>
             </a:r>
-            <a:r>
-              <a:rPr lang="zh-CN" altLang="en-US" sz="2000" dirty="0">
-                <a:latin typeface="Calibri Light" panose="020F0302020204030204" pitchFamily="34" charset="0"/>
-                <a:cs typeface="Calibri Light" panose="020F0302020204030204" pitchFamily="34" charset="0"/>
-              </a:rPr>
-              <a:t> </a:t>
-            </a:r>
-            <a:r>
-              <a:rPr lang="en-US" altLang="zh-CN" sz="2000" dirty="0">
-                <a:latin typeface="Calibri Light" panose="020F0302020204030204" pitchFamily="34" charset="0"/>
-                <a:cs typeface="Calibri Light" panose="020F0302020204030204" pitchFamily="34" charset="0"/>
-              </a:rPr>
-              <a:t>with feature engineering</a:t>
-            </a:r>
-            <a:endParaRPr lang="en-GB" sz="2000" dirty="0">
-              <a:latin typeface="Calibri Light" panose="020F0302020204030204" pitchFamily="34" charset="0"/>
-              <a:cs typeface="Calibri Light" panose="020F0302020204030204" pitchFamily="34" charset="0"/>
-            </a:endParaRPr>
           </a:p>
         </p:txBody>
       </p:sp>
       <p:pic>
         <p:nvPicPr>
-          <p:cNvPr id="13" name="图片 12" descr="手机屏幕截图&#10;&#10;描述已自动生成">
-            <a:extLst>
-              <a:ext uri="{FF2B5EF4-FFF2-40B4-BE49-F238E27FC236}">
-                <a16:creationId xmlns:a16="http://schemas.microsoft.com/office/drawing/2014/main" id="{97F02627-196E-0D4B-98AE-6AFFB2B86BE0}"/>
+          <p:cNvPr id="12" name="图片 11" descr="手机屏幕截图&#10;&#10;描述已自动生成">
+            <a:extLst>
+              <a:ext uri="{FF2B5EF4-FFF2-40B4-BE49-F238E27FC236}">
+                <a16:creationId xmlns:a16="http://schemas.microsoft.com/office/drawing/2014/main" id="{E97C8DCE-E0B9-7A48-BA91-718EFE2DA61D}"/>
               </a:ext>
             </a:extLst>
           </p:cNvPr>
@@ -17011,75 +17004,19 @@
           </a:stretch>
         </p:blipFill>
         <p:spPr>
-          <a:xfrm>
-            <a:off x="4107591" y="1968541"/>
-            <a:ext cx="7024853" cy="1809756"/>
+          <a:xfrm rot="5400000">
+            <a:off x="8366739" y="3131835"/>
+            <a:ext cx="2946400" cy="1574800"/>
           </a:xfrm>
           <a:prstGeom prst="rect">
             <a:avLst/>
           </a:prstGeom>
         </p:spPr>
       </p:pic>
-      <p:sp>
-        <p:nvSpPr>
-          <p:cNvPr id="16" name="文本框 15">
-            <a:extLst>
-              <a:ext uri="{FF2B5EF4-FFF2-40B4-BE49-F238E27FC236}">
-                <a16:creationId xmlns:a16="http://schemas.microsoft.com/office/drawing/2014/main" id="{AAA30856-C87E-FC40-AC00-E22184FD6FC4}"/>
-              </a:ext>
-            </a:extLst>
-          </p:cNvPr>
-          <p:cNvSpPr txBox="1"/>
-          <p:nvPr/>
-        </p:nvSpPr>
-        <p:spPr>
-          <a:xfrm>
-            <a:off x="1513489" y="1851004"/>
-            <a:ext cx="2250281" cy="707886"/>
-          </a:xfrm>
-          <a:prstGeom prst="rect">
-            <a:avLst/>
-          </a:prstGeom>
-          <a:noFill/>
-        </p:spPr>
-        <p:txBody>
-          <a:bodyPr wrap="square" rtlCol="0">
-            <a:spAutoFit/>
-          </a:bodyPr>
-          <a:lstStyle/>
-          <a:p>
-            <a:r>
-              <a:rPr lang="en-GB" sz="2000" dirty="0">
-                <a:latin typeface="Calibri Light" panose="020F0302020204030204" pitchFamily="34" charset="0"/>
-                <a:cs typeface="Calibri Light" panose="020F0302020204030204" pitchFamily="34" charset="0"/>
-              </a:rPr>
-              <a:t>Result</a:t>
-            </a:r>
-            <a:r>
-              <a:rPr lang="zh-CN" altLang="en-US" sz="2000" dirty="0">
-                <a:latin typeface="Calibri Light" panose="020F0302020204030204" pitchFamily="34" charset="0"/>
-                <a:cs typeface="Calibri Light" panose="020F0302020204030204" pitchFamily="34" charset="0"/>
-              </a:rPr>
-              <a:t> </a:t>
-            </a:r>
-            <a:r>
-              <a:rPr lang="en-US" altLang="zh-CN" sz="2000" dirty="0">
-                <a:latin typeface="Calibri Light" panose="020F0302020204030204" pitchFamily="34" charset="0"/>
-                <a:cs typeface="Calibri Light" panose="020F0302020204030204" pitchFamily="34" charset="0"/>
-              </a:rPr>
-              <a:t>without feature engineering</a:t>
-            </a:r>
-            <a:endParaRPr lang="en-GB" sz="2000" dirty="0">
-              <a:latin typeface="Calibri Light" panose="020F0302020204030204" pitchFamily="34" charset="0"/>
-              <a:cs typeface="Calibri Light" panose="020F0302020204030204" pitchFamily="34" charset="0"/>
-            </a:endParaRPr>
-          </a:p>
-        </p:txBody>
-      </p:sp>
     </p:spTree>
     <p:extLst>
       <p:ext uri="{BB962C8B-B14F-4D97-AF65-F5344CB8AC3E}">
-        <p14:creationId xmlns:p14="http://schemas.microsoft.com/office/powerpoint/2010/main" val="1626641486"/>
+        <p14:creationId xmlns:p14="http://schemas.microsoft.com/office/powerpoint/2010/main" val="1980182298"/>
       </p:ext>
     </p:extLst>
   </p:cSld>
